--- a/Machine Learning/Machine Learning Slides.pptx
+++ b/Machine Learning/Machine Learning Slides.pptx
@@ -5,7 +5,7 @@
     <p:sldMasterId id="2147484065" r:id="rId1"/>
   </p:sldMasterIdLst>
   <p:notesMasterIdLst>
-    <p:notesMasterId r:id="rId28"/>
+    <p:notesMasterId r:id="rId34"/>
   </p:notesMasterIdLst>
   <p:sldIdLst>
     <p:sldId id="256" r:id="rId2"/>
@@ -34,6 +34,12 @@
     <p:sldId id="282" r:id="rId25"/>
     <p:sldId id="280" r:id="rId26"/>
     <p:sldId id="281" r:id="rId27"/>
+    <p:sldId id="283" r:id="rId28"/>
+    <p:sldId id="285" r:id="rId29"/>
+    <p:sldId id="287" r:id="rId30"/>
+    <p:sldId id="288" r:id="rId31"/>
+    <p:sldId id="286" r:id="rId32"/>
+    <p:sldId id="289" r:id="rId33"/>
   </p:sldIdLst>
   <p:sldSz cx="9144000" cy="6858000" type="screen4x3"/>
   <p:notesSz cx="6858000" cy="9144000"/>
@@ -217,7 +223,7 @@
           <a:p>
             <a:fld id="{8CE5EF03-DC0C-4148-9942-4394F6E81812}" type="datetimeFigureOut">
               <a:rPr lang="en-US" smtClean="0"/>
-              <a:t>10/2/14</a:t>
+              <a:t>10/6/14</a:t>
             </a:fld>
             <a:endParaRPr lang="en-US"/>
           </a:p>
@@ -583,6 +589,405 @@
 </p:notes>
 </file>
 
+<file path=ppt/notesSlides/notesSlide10.xml><?xml version="1.0" encoding="utf-8"?>
+<p:notes xmlns:a="http://schemas.openxmlformats.org/drawingml/2006/main" xmlns:r="http://schemas.openxmlformats.org/officeDocument/2006/relationships" xmlns:p="http://schemas.openxmlformats.org/presentationml/2006/main">
+  <p:cSld>
+    <p:spTree>
+      <p:nvGrpSpPr>
+        <p:cNvPr id="1" name=""/>
+        <p:cNvGrpSpPr/>
+        <p:nvPr/>
+      </p:nvGrpSpPr>
+      <p:grpSpPr>
+        <a:xfrm>
+          <a:off x="0" y="0"/>
+          <a:ext cx="0" cy="0"/>
+          <a:chOff x="0" y="0"/>
+          <a:chExt cx="0" cy="0"/>
+        </a:xfrm>
+      </p:grpSpPr>
+      <p:sp>
+        <p:nvSpPr>
+          <p:cNvPr id="2" name="Slide Image Placeholder 1"/>
+          <p:cNvSpPr>
+            <a:spLocks noGrp="1" noRot="1" noChangeAspect="1"/>
+          </p:cNvSpPr>
+          <p:nvPr>
+            <p:ph type="sldImg"/>
+          </p:nvPr>
+        </p:nvSpPr>
+        <p:spPr/>
+      </p:sp>
+      <p:sp>
+        <p:nvSpPr>
+          <p:cNvPr id="3" name="Notes Placeholder 2"/>
+          <p:cNvSpPr>
+            <a:spLocks noGrp="1"/>
+          </p:cNvSpPr>
+          <p:nvPr>
+            <p:ph type="body" idx="1"/>
+          </p:nvPr>
+        </p:nvSpPr>
+        <p:spPr/>
+        <p:txBody>
+          <a:bodyPr/>
+          <a:lstStyle/>
+          <a:p>
+            <a:r>
+              <a:rPr lang="en-US" dirty="0" smtClean="0"/>
+              <a:t>Equation</a:t>
+            </a:r>
+            <a:r>
+              <a:rPr lang="en-US" baseline="0" dirty="0" smtClean="0"/>
+              <a:t> images from </a:t>
+            </a:r>
+            <a:r>
+              <a:rPr lang="en-US" baseline="0" dirty="0" err="1" smtClean="0"/>
+              <a:t>wikipedia</a:t>
+            </a:r>
+            <a:r>
+              <a:rPr lang="en-US" baseline="0" dirty="0" smtClean="0"/>
+              <a:t>: http://</a:t>
+            </a:r>
+            <a:r>
+              <a:rPr lang="en-US" baseline="0" dirty="0" err="1" smtClean="0"/>
+              <a:t>en.wikipedia.org</a:t>
+            </a:r>
+            <a:r>
+              <a:rPr lang="en-US" baseline="0" dirty="0" smtClean="0"/>
+              <a:t>/wiki/</a:t>
+            </a:r>
+            <a:r>
+              <a:rPr lang="en-US" baseline="0" dirty="0" err="1" smtClean="0"/>
+              <a:t>Euclidean_distance</a:t>
+            </a:r>
+            <a:r>
+              <a:rPr lang="en-US" baseline="0" dirty="0" smtClean="0"/>
+              <a:t> - as of 10/6/2014</a:t>
+            </a:r>
+            <a:endParaRPr lang="en-US" dirty="0"/>
+          </a:p>
+        </p:txBody>
+      </p:sp>
+      <p:sp>
+        <p:nvSpPr>
+          <p:cNvPr id="4" name="Slide Number Placeholder 3"/>
+          <p:cNvSpPr>
+            <a:spLocks noGrp="1"/>
+          </p:cNvSpPr>
+          <p:nvPr>
+            <p:ph type="sldNum" sz="quarter" idx="10"/>
+          </p:nvPr>
+        </p:nvSpPr>
+        <p:spPr/>
+        <p:txBody>
+          <a:bodyPr/>
+          <a:lstStyle/>
+          <a:p>
+            <a:fld id="{803BC051-DE56-B046-89D5-51B05A2F2FED}" type="slidenum">
+              <a:rPr lang="en-US" smtClean="0"/>
+              <a:t>29</a:t>
+            </a:fld>
+            <a:endParaRPr lang="en-US"/>
+          </a:p>
+        </p:txBody>
+      </p:sp>
+    </p:spTree>
+    <p:extLst>
+      <p:ext uri="{BB962C8B-B14F-4D97-AF65-F5344CB8AC3E}">
+        <p14:creationId xmlns:p14="http://schemas.microsoft.com/office/powerpoint/2010/main" val="2662459680"/>
+      </p:ext>
+    </p:extLst>
+  </p:cSld>
+  <p:clrMapOvr>
+    <a:masterClrMapping/>
+  </p:clrMapOvr>
+</p:notes>
+</file>
+
+<file path=ppt/notesSlides/notesSlide11.xml><?xml version="1.0" encoding="utf-8"?>
+<p:notes xmlns:a="http://schemas.openxmlformats.org/drawingml/2006/main" xmlns:r="http://schemas.openxmlformats.org/officeDocument/2006/relationships" xmlns:p="http://schemas.openxmlformats.org/presentationml/2006/main">
+  <p:cSld>
+    <p:spTree>
+      <p:nvGrpSpPr>
+        <p:cNvPr id="1" name=""/>
+        <p:cNvGrpSpPr/>
+        <p:nvPr/>
+      </p:nvGrpSpPr>
+      <p:grpSpPr>
+        <a:xfrm>
+          <a:off x="0" y="0"/>
+          <a:ext cx="0" cy="0"/>
+          <a:chOff x="0" y="0"/>
+          <a:chExt cx="0" cy="0"/>
+        </a:xfrm>
+      </p:grpSpPr>
+      <p:sp>
+        <p:nvSpPr>
+          <p:cNvPr id="2" name="Slide Image Placeholder 1"/>
+          <p:cNvSpPr>
+            <a:spLocks noGrp="1" noRot="1" noChangeAspect="1"/>
+          </p:cNvSpPr>
+          <p:nvPr>
+            <p:ph type="sldImg"/>
+          </p:nvPr>
+        </p:nvSpPr>
+        <p:spPr/>
+      </p:sp>
+      <p:sp>
+        <p:nvSpPr>
+          <p:cNvPr id="3" name="Notes Placeholder 2"/>
+          <p:cNvSpPr>
+            <a:spLocks noGrp="1"/>
+          </p:cNvSpPr>
+          <p:nvPr>
+            <p:ph type="body" idx="1"/>
+          </p:nvPr>
+        </p:nvSpPr>
+        <p:spPr/>
+        <p:txBody>
+          <a:bodyPr/>
+          <a:lstStyle/>
+          <a:p>
+            <a:endParaRPr lang="en-US" dirty="0"/>
+          </a:p>
+        </p:txBody>
+      </p:sp>
+      <p:sp>
+        <p:nvSpPr>
+          <p:cNvPr id="4" name="Slide Number Placeholder 3"/>
+          <p:cNvSpPr>
+            <a:spLocks noGrp="1"/>
+          </p:cNvSpPr>
+          <p:nvPr>
+            <p:ph type="sldNum" sz="quarter" idx="10"/>
+          </p:nvPr>
+        </p:nvSpPr>
+        <p:spPr/>
+        <p:txBody>
+          <a:bodyPr/>
+          <a:lstStyle/>
+          <a:p>
+            <a:fld id="{803BC051-DE56-B046-89D5-51B05A2F2FED}" type="slidenum">
+              <a:rPr lang="en-US" smtClean="0"/>
+              <a:t>30</a:t>
+            </a:fld>
+            <a:endParaRPr lang="en-US"/>
+          </a:p>
+        </p:txBody>
+      </p:sp>
+    </p:spTree>
+    <p:extLst>
+      <p:ext uri="{BB962C8B-B14F-4D97-AF65-F5344CB8AC3E}">
+        <p14:creationId xmlns:p14="http://schemas.microsoft.com/office/powerpoint/2010/main" val="2819431180"/>
+      </p:ext>
+    </p:extLst>
+  </p:cSld>
+  <p:clrMapOvr>
+    <a:masterClrMapping/>
+  </p:clrMapOvr>
+</p:notes>
+</file>
+
+<file path=ppt/notesSlides/notesSlide12.xml><?xml version="1.0" encoding="utf-8"?>
+<p:notes xmlns:a="http://schemas.openxmlformats.org/drawingml/2006/main" xmlns:r="http://schemas.openxmlformats.org/officeDocument/2006/relationships" xmlns:p="http://schemas.openxmlformats.org/presentationml/2006/main">
+  <p:cSld>
+    <p:spTree>
+      <p:nvGrpSpPr>
+        <p:cNvPr id="1" name=""/>
+        <p:cNvGrpSpPr/>
+        <p:nvPr/>
+      </p:nvGrpSpPr>
+      <p:grpSpPr>
+        <a:xfrm>
+          <a:off x="0" y="0"/>
+          <a:ext cx="0" cy="0"/>
+          <a:chOff x="0" y="0"/>
+          <a:chExt cx="0" cy="0"/>
+        </a:xfrm>
+      </p:grpSpPr>
+      <p:sp>
+        <p:nvSpPr>
+          <p:cNvPr id="2" name="Slide Image Placeholder 1"/>
+          <p:cNvSpPr>
+            <a:spLocks noGrp="1" noRot="1" noChangeAspect="1"/>
+          </p:cNvSpPr>
+          <p:nvPr>
+            <p:ph type="sldImg"/>
+          </p:nvPr>
+        </p:nvSpPr>
+        <p:spPr/>
+      </p:sp>
+      <p:sp>
+        <p:nvSpPr>
+          <p:cNvPr id="3" name="Notes Placeholder 2"/>
+          <p:cNvSpPr>
+            <a:spLocks noGrp="1"/>
+          </p:cNvSpPr>
+          <p:nvPr>
+            <p:ph type="body" idx="1"/>
+          </p:nvPr>
+        </p:nvSpPr>
+        <p:spPr/>
+        <p:txBody>
+          <a:bodyPr/>
+          <a:lstStyle/>
+          <a:p>
+            <a:r>
+              <a:rPr lang="en-US" dirty="0" smtClean="0"/>
+              <a:t>Why? Large data values dominate</a:t>
+            </a:r>
+            <a:r>
+              <a:rPr lang="en-US" baseline="0" dirty="0" smtClean="0"/>
+              <a:t> the</a:t>
+            </a:r>
+            <a:endParaRPr lang="en-US" dirty="0" smtClean="0"/>
+          </a:p>
+          <a:p>
+            <a:r>
+              <a:rPr lang="en-US" dirty="0" smtClean="0"/>
+              <a:t>Equation images from </a:t>
+            </a:r>
+            <a:r>
+              <a:rPr lang="en-US" dirty="0" err="1" smtClean="0"/>
+              <a:t>wikipedia</a:t>
+            </a:r>
+            <a:r>
+              <a:rPr lang="en-US" dirty="0" smtClean="0"/>
+              <a:t>: http://</a:t>
+            </a:r>
+            <a:r>
+              <a:rPr lang="en-US" dirty="0" err="1" smtClean="0"/>
+              <a:t>en.wikipedia.org</a:t>
+            </a:r>
+            <a:r>
+              <a:rPr lang="en-US" dirty="0" smtClean="0"/>
+              <a:t>/wiki/Normalization_(statistics)  - as of 10/6/2014</a:t>
+            </a:r>
+            <a:endParaRPr lang="en-US" dirty="0"/>
+          </a:p>
+        </p:txBody>
+      </p:sp>
+      <p:sp>
+        <p:nvSpPr>
+          <p:cNvPr id="4" name="Slide Number Placeholder 3"/>
+          <p:cNvSpPr>
+            <a:spLocks noGrp="1"/>
+          </p:cNvSpPr>
+          <p:nvPr>
+            <p:ph type="sldNum" sz="quarter" idx="10"/>
+          </p:nvPr>
+        </p:nvSpPr>
+        <p:spPr/>
+        <p:txBody>
+          <a:bodyPr/>
+          <a:lstStyle/>
+          <a:p>
+            <a:fld id="{803BC051-DE56-B046-89D5-51B05A2F2FED}" type="slidenum">
+              <a:rPr lang="en-US" smtClean="0"/>
+              <a:t>31</a:t>
+            </a:fld>
+            <a:endParaRPr lang="en-US"/>
+          </a:p>
+        </p:txBody>
+      </p:sp>
+    </p:spTree>
+    <p:extLst>
+      <p:ext uri="{BB962C8B-B14F-4D97-AF65-F5344CB8AC3E}">
+        <p14:creationId xmlns:p14="http://schemas.microsoft.com/office/powerpoint/2010/main" val="3482411933"/>
+      </p:ext>
+    </p:extLst>
+  </p:cSld>
+  <p:clrMapOvr>
+    <a:masterClrMapping/>
+  </p:clrMapOvr>
+</p:notes>
+</file>
+
+<file path=ppt/notesSlides/notesSlide13.xml><?xml version="1.0" encoding="utf-8"?>
+<p:notes xmlns:a="http://schemas.openxmlformats.org/drawingml/2006/main" xmlns:r="http://schemas.openxmlformats.org/officeDocument/2006/relationships" xmlns:p="http://schemas.openxmlformats.org/presentationml/2006/main">
+  <p:cSld>
+    <p:spTree>
+      <p:nvGrpSpPr>
+        <p:cNvPr id="1" name=""/>
+        <p:cNvGrpSpPr/>
+        <p:nvPr/>
+      </p:nvGrpSpPr>
+      <p:grpSpPr>
+        <a:xfrm>
+          <a:off x="0" y="0"/>
+          <a:ext cx="0" cy="0"/>
+          <a:chOff x="0" y="0"/>
+          <a:chExt cx="0" cy="0"/>
+        </a:xfrm>
+      </p:grpSpPr>
+      <p:sp>
+        <p:nvSpPr>
+          <p:cNvPr id="2" name="Slide Image Placeholder 1"/>
+          <p:cNvSpPr>
+            <a:spLocks noGrp="1" noRot="1" noChangeAspect="1"/>
+          </p:cNvSpPr>
+          <p:nvPr>
+            <p:ph type="sldImg"/>
+          </p:nvPr>
+        </p:nvSpPr>
+        <p:spPr/>
+      </p:sp>
+      <p:sp>
+        <p:nvSpPr>
+          <p:cNvPr id="3" name="Notes Placeholder 2"/>
+          <p:cNvSpPr>
+            <a:spLocks noGrp="1"/>
+          </p:cNvSpPr>
+          <p:nvPr>
+            <p:ph type="body" idx="1"/>
+          </p:nvPr>
+        </p:nvSpPr>
+        <p:spPr/>
+        <p:txBody>
+          <a:bodyPr/>
+          <a:lstStyle/>
+          <a:p>
+            <a:endParaRPr lang="en-US" dirty="0"/>
+          </a:p>
+        </p:txBody>
+      </p:sp>
+      <p:sp>
+        <p:nvSpPr>
+          <p:cNvPr id="4" name="Slide Number Placeholder 3"/>
+          <p:cNvSpPr>
+            <a:spLocks noGrp="1"/>
+          </p:cNvSpPr>
+          <p:nvPr>
+            <p:ph type="sldNum" sz="quarter" idx="10"/>
+          </p:nvPr>
+        </p:nvSpPr>
+        <p:spPr/>
+        <p:txBody>
+          <a:bodyPr/>
+          <a:lstStyle/>
+          <a:p>
+            <a:fld id="{803BC051-DE56-B046-89D5-51B05A2F2FED}" type="slidenum">
+              <a:rPr lang="en-US" smtClean="0"/>
+              <a:t>32</a:t>
+            </a:fld>
+            <a:endParaRPr lang="en-US"/>
+          </a:p>
+        </p:txBody>
+      </p:sp>
+    </p:spTree>
+    <p:extLst>
+      <p:ext uri="{BB962C8B-B14F-4D97-AF65-F5344CB8AC3E}">
+        <p14:creationId xmlns:p14="http://schemas.microsoft.com/office/powerpoint/2010/main" val="2819431180"/>
+      </p:ext>
+    </p:extLst>
+  </p:cSld>
+  <p:clrMapOvr>
+    <a:masterClrMapping/>
+  </p:clrMapOvr>
+</p:notes>
+</file>
+
 <file path=ppt/notesSlides/notesSlide2.xml><?xml version="1.0" encoding="utf-8"?>
 <p:notes xmlns:a="http://schemas.openxmlformats.org/drawingml/2006/main" xmlns:r="http://schemas.openxmlformats.org/officeDocument/2006/relationships" xmlns:p="http://schemas.openxmlformats.org/presentationml/2006/main">
   <p:cSld>
@@ -1508,7 +1913,7 @@
           <a:p>
             <a:fld id="{2069C06D-4ED8-42C6-905D-CA84CA1B6CBF}" type="datetime2">
               <a:rPr lang="en-US" smtClean="0"/>
-              <a:t>Thursday, October 2, 14</a:t>
+              <a:t>Monday, October 6, 14</a:t>
             </a:fld>
             <a:endParaRPr lang="en-US" dirty="0"/>
           </a:p>
@@ -1709,7 +2114,7 @@
           <a:p>
             <a:fld id="{A56EEE0E-EDB0-4D84-86B0-50833DF22902}" type="datetime2">
               <a:rPr lang="en-US" smtClean="0"/>
-              <a:t>Thursday, October 2, 14</a:t>
+              <a:t>Monday, October 6, 14</a:t>
             </a:fld>
             <a:endParaRPr lang="en-US"/>
           </a:p>
@@ -1885,7 +2290,7 @@
           <a:p>
             <a:fld id="{5114372C-B5AB-4C39-B273-B99224EB4DD5}" type="datetime2">
               <a:rPr lang="en-US" smtClean="0"/>
-              <a:t>Thursday, October 2, 14</a:t>
+              <a:t>Monday, October 6, 14</a:t>
             </a:fld>
             <a:endParaRPr lang="en-US"/>
           </a:p>
@@ -2051,7 +2456,7 @@
           <a:p>
             <a:fld id="{14CB1CAA-32CD-4B55-B92A-B8F0843CACF4}" type="datetime2">
               <a:rPr lang="en-US" smtClean="0"/>
-              <a:t>Thursday, October 2, 14</a:t>
+              <a:t>Monday, October 6, 14</a:t>
             </a:fld>
             <a:endParaRPr lang="en-US" dirty="0"/>
           </a:p>
@@ -2300,7 +2705,7 @@
           <a:p>
             <a:fld id="{3AD8CDC4-3D19-4983-B478-82F6B8E5AB66}" type="datetime2">
               <a:rPr lang="en-US" smtClean="0"/>
-              <a:t>Thursday, October 2, 14</a:t>
+              <a:t>Monday, October 6, 14</a:t>
             </a:fld>
             <a:endParaRPr lang="en-US" dirty="0"/>
           </a:p>
@@ -2619,7 +3024,7 @@
           <a:p>
             <a:fld id="{84B82477-D5D3-4181-8C11-75D0F2433A87}" type="datetime2">
               <a:rPr lang="en-US" smtClean="0"/>
-              <a:t>Thursday, October 2, 14</a:t>
+              <a:t>Monday, October 6, 14</a:t>
             </a:fld>
             <a:endParaRPr lang="en-US" dirty="0"/>
           </a:p>
@@ -3086,7 +3491,7 @@
           <a:p>
             <a:fld id="{213E253B-1893-4367-8BAE-DF4BC10DC578}" type="datetime2">
               <a:rPr lang="en-US" smtClean="0"/>
-              <a:t>Thursday, October 2, 14</a:t>
+              <a:t>Monday, October 6, 14</a:t>
             </a:fld>
             <a:endParaRPr lang="en-US" dirty="0"/>
           </a:p>
@@ -3235,7 +3640,7 @@
           <a:p>
             <a:fld id="{8B62300D-25B3-4603-86C9-4CB776489F00}" type="datetime2">
               <a:rPr lang="en-US" smtClean="0"/>
-              <a:t>Thursday, October 2, 14</a:t>
+              <a:t>Monday, October 6, 14</a:t>
             </a:fld>
             <a:endParaRPr lang="en-US" dirty="0"/>
           </a:p>
@@ -3326,7 +3731,7 @@
           <a:p>
             <a:fld id="{C6314AD9-FCC8-48B7-B85B-012A91320DFF}" type="datetime2">
               <a:rPr lang="en-US" smtClean="0"/>
-              <a:t>Thursday, October 2, 14</a:t>
+              <a:t>Monday, October 6, 14</a:t>
             </a:fld>
             <a:endParaRPr lang="en-US" dirty="0"/>
           </a:p>
@@ -3601,7 +4006,7 @@
           <a:p>
             <a:fld id="{3182DC50-D5DB-4F94-B367-9876CD2C4012}" type="datetime2">
               <a:rPr lang="en-US" smtClean="0"/>
-              <a:t>Thursday, October 2, 14</a:t>
+              <a:t>Monday, October 6, 14</a:t>
             </a:fld>
             <a:endParaRPr lang="en-US" dirty="0"/>
           </a:p>
@@ -3907,7 +4312,7 @@
           <a:p>
             <a:fld id="{292EB412-E790-42EA-81FE-2925D3A43D91}" type="datetime2">
               <a:rPr lang="en-US" smtClean="0"/>
-              <a:t>Thursday, October 2, 14</a:t>
+              <a:t>Monday, October 6, 14</a:t>
             </a:fld>
             <a:endParaRPr lang="en-US" dirty="0"/>
           </a:p>
@@ -4206,7 +4611,7 @@
           <a:p>
             <a:fld id="{0B385921-A91A-409C-921C-0E0EC1E750EC}" type="datetime2">
               <a:rPr lang="en-US" smtClean="0"/>
-              <a:t>Thursday, October 2, 14</a:t>
+              <a:t>Monday, October 6, 14</a:t>
             </a:fld>
             <a:endParaRPr lang="en-US" dirty="0"/>
           </a:p>
@@ -7994,6 +8399,397 @@
 </p:sld>
 </file>
 
+<file path=ppt/slides/slide27.xml><?xml version="1.0" encoding="utf-8"?>
+<p:sld xmlns:a="http://schemas.openxmlformats.org/drawingml/2006/main" xmlns:r="http://schemas.openxmlformats.org/officeDocument/2006/relationships" xmlns:p="http://schemas.openxmlformats.org/presentationml/2006/main">
+  <p:cSld>
+    <p:spTree>
+      <p:nvGrpSpPr>
+        <p:cNvPr id="1" name=""/>
+        <p:cNvGrpSpPr/>
+        <p:nvPr/>
+      </p:nvGrpSpPr>
+      <p:grpSpPr>
+        <a:xfrm>
+          <a:off x="0" y="0"/>
+          <a:ext cx="0" cy="0"/>
+          <a:chOff x="0" y="0"/>
+          <a:chExt cx="0" cy="0"/>
+        </a:xfrm>
+      </p:grpSpPr>
+      <p:sp>
+        <p:nvSpPr>
+          <p:cNvPr id="2" name="Title 1"/>
+          <p:cNvSpPr>
+            <a:spLocks noGrp="1"/>
+          </p:cNvSpPr>
+          <p:nvPr>
+            <p:ph type="title"/>
+          </p:nvPr>
+        </p:nvSpPr>
+        <p:spPr/>
+        <p:txBody>
+          <a:bodyPr/>
+          <a:lstStyle/>
+          <a:p>
+            <a:r>
+              <a:rPr lang="en-US" dirty="0" smtClean="0"/>
+              <a:t>K-Nearest Neighbor Algorithm</a:t>
+            </a:r>
+            <a:endParaRPr lang="en-US" dirty="0"/>
+          </a:p>
+        </p:txBody>
+      </p:sp>
+      <p:sp>
+        <p:nvSpPr>
+          <p:cNvPr id="3" name="Content Placeholder 2"/>
+          <p:cNvSpPr>
+            <a:spLocks noGrp="1"/>
+          </p:cNvSpPr>
+          <p:nvPr>
+            <p:ph idx="1"/>
+          </p:nvPr>
+        </p:nvSpPr>
+        <p:spPr/>
+        <p:txBody>
+          <a:bodyPr/>
+          <a:lstStyle/>
+          <a:p>
+            <a:r>
+              <a:rPr lang="en-US" dirty="0" smtClean="0"/>
+              <a:t>Find the most similar k-data points, use them to compute a the label through voting</a:t>
+            </a:r>
+          </a:p>
+          <a:p>
+            <a:r>
+              <a:rPr lang="en-US" dirty="0" smtClean="0"/>
+              <a:t>Uses a </a:t>
+            </a:r>
+            <a:r>
+              <a:rPr lang="en-US" b="1" dirty="0" smtClean="0"/>
+              <a:t>similarity metric</a:t>
+            </a:r>
+          </a:p>
+          <a:p>
+            <a:pPr lvl="1"/>
+            <a:r>
+              <a:rPr lang="en-US" dirty="0" smtClean="0"/>
+              <a:t>Given new data point, compute pairwise similarity to all other training data points</a:t>
+            </a:r>
+          </a:p>
+          <a:p>
+            <a:r>
+              <a:rPr lang="en-US" dirty="0" smtClean="0"/>
+              <a:t>Voting Schemes:</a:t>
+            </a:r>
+          </a:p>
+          <a:p>
+            <a:pPr lvl="1"/>
+            <a:r>
+              <a:rPr lang="en-US" dirty="0" smtClean="0"/>
+              <a:t>Majority votes wins (k should be odd to resolve ties)</a:t>
+            </a:r>
+          </a:p>
+          <a:p>
+            <a:pPr lvl="1"/>
+            <a:r>
+              <a:rPr lang="en-US" dirty="0" smtClean="0"/>
+              <a:t>Weighted vote – votes are weighted by similarity</a:t>
+            </a:r>
+          </a:p>
+          <a:p>
+            <a:r>
+              <a:rPr lang="en-US" dirty="0" smtClean="0"/>
+              <a:t>Lazy learner – no model is constructed in ‘training phase’, similarity calculations done when model is evaluated</a:t>
+            </a:r>
+          </a:p>
+          <a:p>
+            <a:r>
+              <a:rPr lang="en-US" dirty="0" smtClean="0"/>
+              <a:t>No training overhead, slow run time performance</a:t>
+            </a:r>
+          </a:p>
+        </p:txBody>
+      </p:sp>
+    </p:spTree>
+    <p:extLst>
+      <p:ext uri="{BB962C8B-B14F-4D97-AF65-F5344CB8AC3E}">
+        <p14:creationId xmlns:p14="http://schemas.microsoft.com/office/powerpoint/2010/main" val="2548080373"/>
+      </p:ext>
+    </p:extLst>
+  </p:cSld>
+  <p:clrMapOvr>
+    <a:masterClrMapping/>
+  </p:clrMapOvr>
+  <p:timing>
+    <p:tnLst>
+      <p:par>
+        <p:cTn xmlns:p14="http://schemas.microsoft.com/office/powerpoint/2010/main" id="1" dur="indefinite" restart="never" nodeType="tmRoot"/>
+      </p:par>
+    </p:tnLst>
+  </p:timing>
+</p:sld>
+</file>
+
+<file path=ppt/slides/slide28.xml><?xml version="1.0" encoding="utf-8"?>
+<p:sld xmlns:a="http://schemas.openxmlformats.org/drawingml/2006/main" xmlns:r="http://schemas.openxmlformats.org/officeDocument/2006/relationships" xmlns:p="http://schemas.openxmlformats.org/presentationml/2006/main">
+  <p:cSld>
+    <p:spTree>
+      <p:nvGrpSpPr>
+        <p:cNvPr id="1" name=""/>
+        <p:cNvGrpSpPr/>
+        <p:nvPr/>
+      </p:nvGrpSpPr>
+      <p:grpSpPr>
+        <a:xfrm>
+          <a:off x="0" y="0"/>
+          <a:ext cx="0" cy="0"/>
+          <a:chOff x="0" y="0"/>
+          <a:chExt cx="0" cy="0"/>
+        </a:xfrm>
+      </p:grpSpPr>
+      <p:sp>
+        <p:nvSpPr>
+          <p:cNvPr id="2" name="Title 1"/>
+          <p:cNvSpPr>
+            <a:spLocks noGrp="1"/>
+          </p:cNvSpPr>
+          <p:nvPr>
+            <p:ph type="title"/>
+          </p:nvPr>
+        </p:nvSpPr>
+        <p:spPr/>
+        <p:txBody>
+          <a:bodyPr/>
+          <a:lstStyle/>
+          <a:p>
+            <a:r>
+              <a:rPr lang="en-US" dirty="0"/>
+              <a:t>K-Nearest Neighbor Algorithm</a:t>
+            </a:r>
+          </a:p>
+        </p:txBody>
+      </p:sp>
+      <p:pic>
+        <p:nvPicPr>
+          <p:cNvPr id="5" name="Picture 4"/>
+          <p:cNvPicPr>
+            <a:picLocks noChangeAspect="1"/>
+          </p:cNvPicPr>
+          <p:nvPr/>
+        </p:nvPicPr>
+        <p:blipFill>
+          <a:blip r:embed="rId2"/>
+          <a:stretch>
+            <a:fillRect/>
+          </a:stretch>
+        </p:blipFill>
+        <p:spPr>
+          <a:xfrm>
+            <a:off x="457200" y="1711158"/>
+            <a:ext cx="8156880" cy="4668921"/>
+          </a:xfrm>
+          <a:prstGeom prst="rect">
+            <a:avLst/>
+          </a:prstGeom>
+        </p:spPr>
+      </p:pic>
+    </p:spTree>
+    <p:extLst>
+      <p:ext uri="{BB962C8B-B14F-4D97-AF65-F5344CB8AC3E}">
+        <p14:creationId xmlns:p14="http://schemas.microsoft.com/office/powerpoint/2010/main" val="1827831357"/>
+      </p:ext>
+    </p:extLst>
+  </p:cSld>
+  <p:clrMapOvr>
+    <a:masterClrMapping/>
+  </p:clrMapOvr>
+</p:sld>
+</file>
+
+<file path=ppt/slides/slide29.xml><?xml version="1.0" encoding="utf-8"?>
+<p:sld xmlns:a="http://schemas.openxmlformats.org/drawingml/2006/main" xmlns:r="http://schemas.openxmlformats.org/officeDocument/2006/relationships" xmlns:p="http://schemas.openxmlformats.org/presentationml/2006/main">
+  <p:cSld>
+    <p:spTree>
+      <p:nvGrpSpPr>
+        <p:cNvPr id="1" name=""/>
+        <p:cNvGrpSpPr/>
+        <p:nvPr/>
+      </p:nvGrpSpPr>
+      <p:grpSpPr>
+        <a:xfrm>
+          <a:off x="0" y="0"/>
+          <a:ext cx="0" cy="0"/>
+          <a:chOff x="0" y="0"/>
+          <a:chExt cx="0" cy="0"/>
+        </a:xfrm>
+      </p:grpSpPr>
+      <p:sp>
+        <p:nvSpPr>
+          <p:cNvPr id="2" name="Title 1"/>
+          <p:cNvSpPr>
+            <a:spLocks noGrp="1"/>
+          </p:cNvSpPr>
+          <p:nvPr>
+            <p:ph type="title"/>
+          </p:nvPr>
+        </p:nvSpPr>
+        <p:spPr/>
+        <p:txBody>
+          <a:bodyPr/>
+          <a:lstStyle/>
+          <a:p>
+            <a:r>
+              <a:rPr lang="en-US" dirty="0" smtClean="0"/>
+              <a:t>Similarity \ Distance Metrics</a:t>
+            </a:r>
+            <a:endParaRPr lang="en-US" dirty="0"/>
+          </a:p>
+        </p:txBody>
+      </p:sp>
+      <p:sp>
+        <p:nvSpPr>
+          <p:cNvPr id="3" name="Content Placeholder 2"/>
+          <p:cNvSpPr>
+            <a:spLocks noGrp="1"/>
+          </p:cNvSpPr>
+          <p:nvPr>
+            <p:ph idx="1"/>
+          </p:nvPr>
+        </p:nvSpPr>
+        <p:spPr/>
+        <p:txBody>
+          <a:bodyPr/>
+          <a:lstStyle/>
+          <a:p>
+            <a:r>
+              <a:rPr lang="en-US" dirty="0" smtClean="0"/>
+              <a:t>Euclidean Distance:</a:t>
+            </a:r>
+          </a:p>
+          <a:p>
+            <a:endParaRPr lang="en-US" dirty="0" smtClean="0"/>
+          </a:p>
+          <a:p>
+            <a:endParaRPr lang="en-US" dirty="0"/>
+          </a:p>
+          <a:p>
+            <a:r>
+              <a:rPr lang="en-US" dirty="0" smtClean="0"/>
+              <a:t>Manhattan Distance</a:t>
+            </a:r>
+          </a:p>
+          <a:p>
+            <a:endParaRPr lang="en-US" dirty="0" smtClean="0"/>
+          </a:p>
+          <a:p>
+            <a:endParaRPr lang="en-US" dirty="0"/>
+          </a:p>
+          <a:p>
+            <a:r>
+              <a:rPr lang="en-US" dirty="0" smtClean="0"/>
+              <a:t>To get a similarity measure, compute: </a:t>
+            </a:r>
+          </a:p>
+          <a:p>
+            <a:pPr lvl="1"/>
+            <a:r>
+              <a:rPr lang="en-US" dirty="0" err="1" smtClean="0"/>
+              <a:t>Sim</a:t>
+            </a:r>
+            <a:r>
+              <a:rPr lang="en-US" dirty="0" smtClean="0"/>
+              <a:t> = 1/distance(x1,x2)</a:t>
+            </a:r>
+          </a:p>
+          <a:p>
+            <a:pPr lvl="1"/>
+            <a:r>
+              <a:rPr lang="en-US" dirty="0" err="1" smtClean="0"/>
+              <a:t>Sim</a:t>
+            </a:r>
+            <a:r>
+              <a:rPr lang="en-US" dirty="0" smtClean="0"/>
+              <a:t> = (1- distance(x1,x2) </a:t>
+            </a:r>
+          </a:p>
+          <a:p>
+            <a:pPr lvl="2"/>
+            <a:r>
+              <a:rPr lang="en-US" dirty="0" smtClean="0"/>
+              <a:t>if distance in [0,1]</a:t>
+            </a:r>
+            <a:endParaRPr lang="en-US" dirty="0"/>
+          </a:p>
+        </p:txBody>
+      </p:sp>
+      <p:pic>
+        <p:nvPicPr>
+          <p:cNvPr id="5" name="Picture 4"/>
+          <p:cNvPicPr>
+            <a:picLocks noChangeAspect="1"/>
+          </p:cNvPicPr>
+          <p:nvPr/>
+        </p:nvPicPr>
+        <p:blipFill>
+          <a:blip r:embed="rId3"/>
+          <a:stretch>
+            <a:fillRect/>
+          </a:stretch>
+        </p:blipFill>
+        <p:spPr>
+          <a:xfrm>
+            <a:off x="909052" y="2076116"/>
+            <a:ext cx="8071854" cy="914400"/>
+          </a:xfrm>
+          <a:prstGeom prst="rect">
+            <a:avLst/>
+          </a:prstGeom>
+        </p:spPr>
+      </p:pic>
+      <p:pic>
+        <p:nvPicPr>
+          <p:cNvPr id="6" name="Picture 5"/>
+          <p:cNvPicPr>
+            <a:picLocks noChangeAspect="1"/>
+          </p:cNvPicPr>
+          <p:nvPr/>
+        </p:nvPicPr>
+        <p:blipFill>
+          <a:blip r:embed="rId4"/>
+          <a:stretch>
+            <a:fillRect/>
+          </a:stretch>
+        </p:blipFill>
+        <p:spPr>
+          <a:xfrm>
+            <a:off x="909052" y="3422650"/>
+            <a:ext cx="3771900" cy="698500"/>
+          </a:xfrm>
+          <a:prstGeom prst="rect">
+            <a:avLst/>
+          </a:prstGeom>
+        </p:spPr>
+      </p:pic>
+    </p:spTree>
+    <p:extLst>
+      <p:ext uri="{BB962C8B-B14F-4D97-AF65-F5344CB8AC3E}">
+        <p14:creationId xmlns:p14="http://schemas.microsoft.com/office/powerpoint/2010/main" val="2666260207"/>
+      </p:ext>
+    </p:extLst>
+  </p:cSld>
+  <p:clrMapOvr>
+    <a:masterClrMapping/>
+  </p:clrMapOvr>
+  <p:timing>
+    <p:tnLst>
+      <p:par>
+        <p:cTn xmlns:p14="http://schemas.microsoft.com/office/powerpoint/2010/main" id="1" dur="indefinite" restart="never" nodeType="tmRoot"/>
+      </p:par>
+    </p:tnLst>
+  </p:timing>
+</p:sld>
+</file>
+
 <file path=ppt/slides/slide3.xml><?xml version="1.0" encoding="utf-8"?>
 <p:sld xmlns:a="http://schemas.openxmlformats.org/drawingml/2006/main" xmlns:r="http://schemas.openxmlformats.org/officeDocument/2006/relationships" xmlns:p="http://schemas.openxmlformats.org/presentationml/2006/main">
   <p:cSld>
@@ -8098,6 +8894,2396 @@
       </p:par>
     </p:tnLst>
   </p:timing>
+</p:sld>
+</file>
+
+<file path=ppt/slides/slide30.xml><?xml version="1.0" encoding="utf-8"?>
+<p:sld xmlns:a="http://schemas.openxmlformats.org/drawingml/2006/main" xmlns:r="http://schemas.openxmlformats.org/officeDocument/2006/relationships" xmlns:p="http://schemas.openxmlformats.org/presentationml/2006/main">
+  <p:cSld>
+    <p:spTree>
+      <p:nvGrpSpPr>
+        <p:cNvPr id="1" name=""/>
+        <p:cNvGrpSpPr/>
+        <p:nvPr/>
+      </p:nvGrpSpPr>
+      <p:grpSpPr>
+        <a:xfrm>
+          <a:off x="0" y="0"/>
+          <a:ext cx="0" cy="0"/>
+          <a:chOff x="0" y="0"/>
+          <a:chExt cx="0" cy="0"/>
+        </a:xfrm>
+      </p:grpSpPr>
+      <p:sp>
+        <p:nvSpPr>
+          <p:cNvPr id="2" name="Title 1"/>
+          <p:cNvSpPr>
+            <a:spLocks noGrp="1"/>
+          </p:cNvSpPr>
+          <p:nvPr>
+            <p:ph type="title"/>
+          </p:nvPr>
+        </p:nvSpPr>
+        <p:spPr/>
+        <p:txBody>
+          <a:bodyPr/>
+          <a:lstStyle/>
+          <a:p>
+            <a:r>
+              <a:rPr lang="en-US" dirty="0" smtClean="0"/>
+              <a:t>Iris Dataset – Compute k-</a:t>
+            </a:r>
+            <a:r>
+              <a:rPr lang="en-US" dirty="0" err="1" smtClean="0"/>
+              <a:t>nn</a:t>
+            </a:r>
+            <a:endParaRPr lang="en-US" dirty="0"/>
+          </a:p>
+        </p:txBody>
+      </p:sp>
+      <p:graphicFrame>
+        <p:nvGraphicFramePr>
+          <p:cNvPr id="4" name="Content Placeholder 3"/>
+          <p:cNvGraphicFramePr>
+            <a:graphicFrameLocks noGrp="1"/>
+          </p:cNvGraphicFramePr>
+          <p:nvPr>
+            <p:ph idx="1"/>
+            <p:extLst>
+              <p:ext uri="{D42A27DB-BD31-4B8C-83A1-F6EECF244321}">
+                <p14:modId xmlns:p14="http://schemas.microsoft.com/office/powerpoint/2010/main" val="1742048559"/>
+              </p:ext>
+            </p:extLst>
+          </p:nvPr>
+        </p:nvGraphicFramePr>
+        <p:xfrm>
+          <a:off x="457200" y="1600200"/>
+          <a:ext cx="8229600" cy="3337560"/>
+        </p:xfrm>
+        <a:graphic>
+          <a:graphicData uri="http://schemas.openxmlformats.org/drawingml/2006/table">
+            <a:tbl>
+              <a:tblPr firstRow="1" bandRow="1">
+                <a:tableStyleId>{5C22544A-7EE6-4342-B048-85BDC9FD1C3A}</a:tableStyleId>
+              </a:tblPr>
+              <a:tblGrid>
+                <a:gridCol w="1645920"/>
+                <a:gridCol w="1645920"/>
+                <a:gridCol w="1645920"/>
+                <a:gridCol w="1645920"/>
+                <a:gridCol w="1645920"/>
+              </a:tblGrid>
+              <a:tr h="370840">
+                <a:tc>
+                  <a:txBody>
+                    <a:bodyPr/>
+                    <a:lstStyle/>
+                    <a:p>
+                      <a:pPr algn="l" fontAlgn="b"/>
+                      <a:r>
+                        <a:rPr lang="en-US" sz="1400" b="0" i="0" u="none" strike="noStrike" dirty="0" smtClean="0">
+                          <a:solidFill>
+                            <a:srgbClr val="000000"/>
+                          </a:solidFill>
+                          <a:effectLst/>
+                          <a:latin typeface="Calibri"/>
+                        </a:rPr>
+                        <a:t>Sepal Length</a:t>
+                      </a:r>
+                      <a:endParaRPr lang="en-US" sz="1400" b="0" i="0" u="none" strike="noStrike" dirty="0">
+                        <a:solidFill>
+                          <a:srgbClr val="000000"/>
+                        </a:solidFill>
+                        <a:effectLst/>
+                        <a:latin typeface="Calibri"/>
+                      </a:endParaRPr>
+                    </a:p>
+                  </a:txBody>
+                  <a:tcPr marL="12700" marR="12700" marT="12700" marB="0" anchor="b"/>
+                </a:tc>
+                <a:tc>
+                  <a:txBody>
+                    <a:bodyPr/>
+                    <a:lstStyle/>
+                    <a:p>
+                      <a:pPr algn="l" fontAlgn="b"/>
+                      <a:r>
+                        <a:rPr lang="en-US" sz="1400" b="0" i="0" u="none" strike="noStrike" dirty="0" smtClean="0">
+                          <a:solidFill>
+                            <a:srgbClr val="000000"/>
+                          </a:solidFill>
+                          <a:effectLst/>
+                          <a:latin typeface="Calibri"/>
+                        </a:rPr>
+                        <a:t>Sepal Width</a:t>
+                      </a:r>
+                      <a:endParaRPr lang="en-US" sz="1400" b="0" i="0" u="none" strike="noStrike" dirty="0">
+                        <a:solidFill>
+                          <a:srgbClr val="000000"/>
+                        </a:solidFill>
+                        <a:effectLst/>
+                        <a:latin typeface="Calibri"/>
+                      </a:endParaRPr>
+                    </a:p>
+                  </a:txBody>
+                  <a:tcPr marL="12700" marR="12700" marT="12700" marB="0" anchor="b"/>
+                </a:tc>
+                <a:tc>
+                  <a:txBody>
+                    <a:bodyPr/>
+                    <a:lstStyle/>
+                    <a:p>
+                      <a:pPr algn="l" fontAlgn="b"/>
+                      <a:r>
+                        <a:rPr lang="en-US" sz="1400" b="0" i="0" u="none" strike="noStrike" dirty="0" smtClean="0">
+                          <a:solidFill>
+                            <a:srgbClr val="000000"/>
+                          </a:solidFill>
+                          <a:effectLst/>
+                          <a:latin typeface="Calibri"/>
+                        </a:rPr>
+                        <a:t>Petal Length</a:t>
+                      </a:r>
+                      <a:endParaRPr lang="en-US" sz="1400" b="0" i="0" u="none" strike="noStrike" dirty="0">
+                        <a:solidFill>
+                          <a:srgbClr val="000000"/>
+                        </a:solidFill>
+                        <a:effectLst/>
+                        <a:latin typeface="Calibri"/>
+                      </a:endParaRPr>
+                    </a:p>
+                  </a:txBody>
+                  <a:tcPr marL="12700" marR="12700" marT="12700" marB="0" anchor="b"/>
+                </a:tc>
+                <a:tc>
+                  <a:txBody>
+                    <a:bodyPr/>
+                    <a:lstStyle/>
+                    <a:p>
+                      <a:pPr algn="l" fontAlgn="b"/>
+                      <a:r>
+                        <a:rPr lang="en-US" sz="1400" b="0" i="0" u="none" strike="noStrike" dirty="0" smtClean="0">
+                          <a:solidFill>
+                            <a:srgbClr val="000000"/>
+                          </a:solidFill>
+                          <a:effectLst/>
+                          <a:latin typeface="Calibri"/>
+                        </a:rPr>
+                        <a:t>Petal</a:t>
+                      </a:r>
+                      <a:r>
+                        <a:rPr lang="en-US" sz="1400" b="0" i="0" u="none" strike="noStrike" baseline="0" dirty="0" smtClean="0">
+                          <a:solidFill>
+                            <a:srgbClr val="000000"/>
+                          </a:solidFill>
+                          <a:effectLst/>
+                          <a:latin typeface="Calibri"/>
+                        </a:rPr>
+                        <a:t> </a:t>
+                      </a:r>
+                      <a:r>
+                        <a:rPr lang="en-US" sz="1400" b="0" i="0" u="none" strike="noStrike" dirty="0" smtClean="0">
+                          <a:solidFill>
+                            <a:srgbClr val="000000"/>
+                          </a:solidFill>
+                          <a:effectLst/>
+                          <a:latin typeface="Calibri"/>
+                        </a:rPr>
+                        <a:t>Width</a:t>
+                      </a:r>
+                      <a:endParaRPr lang="en-US" sz="1400" b="0" i="0" u="none" strike="noStrike" dirty="0">
+                        <a:solidFill>
+                          <a:srgbClr val="000000"/>
+                        </a:solidFill>
+                        <a:effectLst/>
+                        <a:latin typeface="Calibri"/>
+                      </a:endParaRPr>
+                    </a:p>
+                  </a:txBody>
+                  <a:tcPr marL="12700" marR="12700" marT="12700" marB="0" anchor="b"/>
+                </a:tc>
+                <a:tc>
+                  <a:txBody>
+                    <a:bodyPr/>
+                    <a:lstStyle/>
+                    <a:p>
+                      <a:pPr algn="l" fontAlgn="b"/>
+                      <a:r>
+                        <a:rPr lang="en-US" sz="1400" b="0" i="0" u="none" strike="noStrike" dirty="0" smtClean="0">
+                          <a:solidFill>
+                            <a:srgbClr val="000000"/>
+                          </a:solidFill>
+                          <a:effectLst/>
+                          <a:latin typeface="Calibri"/>
+                        </a:rPr>
+                        <a:t>Class</a:t>
+                      </a:r>
+                      <a:endParaRPr lang="en-US" sz="1400" b="0" i="0" u="none" strike="noStrike" dirty="0">
+                        <a:solidFill>
+                          <a:srgbClr val="000000"/>
+                        </a:solidFill>
+                        <a:effectLst/>
+                        <a:latin typeface="Calibri"/>
+                      </a:endParaRPr>
+                    </a:p>
+                  </a:txBody>
+                  <a:tcPr marL="12700" marR="12700" marT="12700" marB="0" anchor="b"/>
+                </a:tc>
+              </a:tr>
+              <a:tr h="370840">
+                <a:tc>
+                  <a:txBody>
+                    <a:bodyPr/>
+                    <a:lstStyle/>
+                    <a:p>
+                      <a:pPr algn="r" fontAlgn="b"/>
+                      <a:r>
+                        <a:rPr lang="en-US" sz="1400" b="0" i="0" u="none" strike="noStrike" dirty="0">
+                          <a:solidFill>
+                            <a:srgbClr val="000000"/>
+                          </a:solidFill>
+                          <a:effectLst/>
+                          <a:latin typeface="Calibri"/>
+                        </a:rPr>
+                        <a:t>5.3</a:t>
+                      </a:r>
+                    </a:p>
+                  </a:txBody>
+                  <a:tcPr marL="12700" marR="12700" marT="12700" marB="0" anchor="b"/>
+                </a:tc>
+                <a:tc>
+                  <a:txBody>
+                    <a:bodyPr/>
+                    <a:lstStyle/>
+                    <a:p>
+                      <a:pPr algn="r" fontAlgn="b"/>
+                      <a:r>
+                        <a:rPr lang="en-US" sz="1400" b="0" i="0" u="none" strike="noStrike">
+                          <a:solidFill>
+                            <a:srgbClr val="000000"/>
+                          </a:solidFill>
+                          <a:effectLst/>
+                          <a:latin typeface="Calibri"/>
+                        </a:rPr>
+                        <a:t>3.7</a:t>
+                      </a:r>
+                    </a:p>
+                  </a:txBody>
+                  <a:tcPr marL="12700" marR="12700" marT="12700" marB="0" anchor="b"/>
+                </a:tc>
+                <a:tc>
+                  <a:txBody>
+                    <a:bodyPr/>
+                    <a:lstStyle/>
+                    <a:p>
+                      <a:pPr algn="r" fontAlgn="b"/>
+                      <a:r>
+                        <a:rPr lang="en-US" sz="1400" b="0" i="0" u="none" strike="noStrike">
+                          <a:solidFill>
+                            <a:srgbClr val="000000"/>
+                          </a:solidFill>
+                          <a:effectLst/>
+                          <a:latin typeface="Calibri"/>
+                        </a:rPr>
+                        <a:t>1.5</a:t>
+                      </a:r>
+                    </a:p>
+                  </a:txBody>
+                  <a:tcPr marL="12700" marR="12700" marT="12700" marB="0" anchor="b"/>
+                </a:tc>
+                <a:tc>
+                  <a:txBody>
+                    <a:bodyPr/>
+                    <a:lstStyle/>
+                    <a:p>
+                      <a:pPr algn="r" fontAlgn="b"/>
+                      <a:r>
+                        <a:rPr lang="en-US" sz="1400" b="0" i="0" u="none" strike="noStrike">
+                          <a:solidFill>
+                            <a:srgbClr val="000000"/>
+                          </a:solidFill>
+                          <a:effectLst/>
+                          <a:latin typeface="Calibri"/>
+                        </a:rPr>
+                        <a:t>0.2</a:t>
+                      </a:r>
+                    </a:p>
+                  </a:txBody>
+                  <a:tcPr marL="12700" marR="12700" marT="12700" marB="0" anchor="b"/>
+                </a:tc>
+                <a:tc>
+                  <a:txBody>
+                    <a:bodyPr/>
+                    <a:lstStyle/>
+                    <a:p>
+                      <a:pPr algn="l" fontAlgn="b"/>
+                      <a:r>
+                        <a:rPr lang="en-US" sz="1400" b="1" i="0" u="none" strike="noStrike" dirty="0">
+                          <a:solidFill>
+                            <a:srgbClr val="000000"/>
+                          </a:solidFill>
+                          <a:effectLst/>
+                          <a:latin typeface="Calibri"/>
+                        </a:rPr>
+                        <a:t>Iris-</a:t>
+                      </a:r>
+                      <a:r>
+                        <a:rPr lang="en-US" sz="1400" b="1" i="0" u="none" strike="noStrike" dirty="0" err="1">
+                          <a:solidFill>
+                            <a:srgbClr val="000000"/>
+                          </a:solidFill>
+                          <a:effectLst/>
+                          <a:latin typeface="Calibri"/>
+                        </a:rPr>
+                        <a:t>setosa</a:t>
+                      </a:r>
+                      <a:endParaRPr lang="en-US" sz="1400" b="1" i="0" u="none" strike="noStrike" dirty="0">
+                        <a:solidFill>
+                          <a:srgbClr val="000000"/>
+                        </a:solidFill>
+                        <a:effectLst/>
+                        <a:latin typeface="Calibri"/>
+                      </a:endParaRPr>
+                    </a:p>
+                  </a:txBody>
+                  <a:tcPr marL="12700" marR="12700" marT="12700" marB="0" anchor="b"/>
+                </a:tc>
+              </a:tr>
+              <a:tr h="370840">
+                <a:tc>
+                  <a:txBody>
+                    <a:bodyPr/>
+                    <a:lstStyle/>
+                    <a:p>
+                      <a:pPr algn="r" fontAlgn="b"/>
+                      <a:r>
+                        <a:rPr lang="en-US" sz="1400" b="0" i="0" u="none" strike="noStrike">
+                          <a:solidFill>
+                            <a:srgbClr val="000000"/>
+                          </a:solidFill>
+                          <a:effectLst/>
+                          <a:latin typeface="Calibri"/>
+                        </a:rPr>
+                        <a:t>5</a:t>
+                      </a:r>
+                    </a:p>
+                  </a:txBody>
+                  <a:tcPr marL="12700" marR="12700" marT="12700" marB="0" anchor="b"/>
+                </a:tc>
+                <a:tc>
+                  <a:txBody>
+                    <a:bodyPr/>
+                    <a:lstStyle/>
+                    <a:p>
+                      <a:pPr algn="r" fontAlgn="b"/>
+                      <a:r>
+                        <a:rPr lang="en-US" sz="1400" b="0" i="0" u="none" strike="noStrike" dirty="0">
+                          <a:solidFill>
+                            <a:srgbClr val="000000"/>
+                          </a:solidFill>
+                          <a:effectLst/>
+                          <a:latin typeface="Calibri"/>
+                        </a:rPr>
+                        <a:t>3.3</a:t>
+                      </a:r>
+                    </a:p>
+                  </a:txBody>
+                  <a:tcPr marL="12700" marR="12700" marT="12700" marB="0" anchor="b"/>
+                </a:tc>
+                <a:tc>
+                  <a:txBody>
+                    <a:bodyPr/>
+                    <a:lstStyle/>
+                    <a:p>
+                      <a:pPr algn="r" fontAlgn="b"/>
+                      <a:r>
+                        <a:rPr lang="en-US" sz="1400" b="0" i="0" u="none" strike="noStrike">
+                          <a:solidFill>
+                            <a:srgbClr val="000000"/>
+                          </a:solidFill>
+                          <a:effectLst/>
+                          <a:latin typeface="Calibri"/>
+                        </a:rPr>
+                        <a:t>1.4</a:t>
+                      </a:r>
+                    </a:p>
+                  </a:txBody>
+                  <a:tcPr marL="12700" marR="12700" marT="12700" marB="0" anchor="b"/>
+                </a:tc>
+                <a:tc>
+                  <a:txBody>
+                    <a:bodyPr/>
+                    <a:lstStyle/>
+                    <a:p>
+                      <a:pPr algn="r" fontAlgn="b"/>
+                      <a:r>
+                        <a:rPr lang="en-US" sz="1400" b="0" i="0" u="none" strike="noStrike">
+                          <a:solidFill>
+                            <a:srgbClr val="000000"/>
+                          </a:solidFill>
+                          <a:effectLst/>
+                          <a:latin typeface="Calibri"/>
+                        </a:rPr>
+                        <a:t>0.2</a:t>
+                      </a:r>
+                    </a:p>
+                  </a:txBody>
+                  <a:tcPr marL="12700" marR="12700" marT="12700" marB="0" anchor="b"/>
+                </a:tc>
+                <a:tc>
+                  <a:txBody>
+                    <a:bodyPr/>
+                    <a:lstStyle/>
+                    <a:p>
+                      <a:pPr algn="l" fontAlgn="b"/>
+                      <a:r>
+                        <a:rPr lang="en-US" sz="1400" b="1" i="0" u="none" strike="noStrike">
+                          <a:solidFill>
+                            <a:srgbClr val="000000"/>
+                          </a:solidFill>
+                          <a:effectLst/>
+                          <a:latin typeface="Calibri"/>
+                        </a:rPr>
+                        <a:t>Iris-setosa</a:t>
+                      </a:r>
+                    </a:p>
+                  </a:txBody>
+                  <a:tcPr marL="12700" marR="12700" marT="12700" marB="0" anchor="b"/>
+                </a:tc>
+              </a:tr>
+              <a:tr h="370840">
+                <a:tc>
+                  <a:txBody>
+                    <a:bodyPr/>
+                    <a:lstStyle/>
+                    <a:p>
+                      <a:pPr algn="r" fontAlgn="b"/>
+                      <a:r>
+                        <a:rPr lang="en-US" sz="1400" b="0" i="0" u="none" strike="noStrike">
+                          <a:solidFill>
+                            <a:srgbClr val="000000"/>
+                          </a:solidFill>
+                          <a:effectLst/>
+                          <a:latin typeface="Calibri"/>
+                        </a:rPr>
+                        <a:t>7</a:t>
+                      </a:r>
+                    </a:p>
+                  </a:txBody>
+                  <a:tcPr marL="12700" marR="12700" marT="12700" marB="0" anchor="b"/>
+                </a:tc>
+                <a:tc>
+                  <a:txBody>
+                    <a:bodyPr/>
+                    <a:lstStyle/>
+                    <a:p>
+                      <a:pPr algn="r" fontAlgn="b"/>
+                      <a:r>
+                        <a:rPr lang="en-US" sz="1400" b="0" i="0" u="none" strike="noStrike" dirty="0">
+                          <a:solidFill>
+                            <a:srgbClr val="000000"/>
+                          </a:solidFill>
+                          <a:effectLst/>
+                          <a:latin typeface="Calibri"/>
+                        </a:rPr>
+                        <a:t>3.2</a:t>
+                      </a:r>
+                    </a:p>
+                  </a:txBody>
+                  <a:tcPr marL="12700" marR="12700" marT="12700" marB="0" anchor="b"/>
+                </a:tc>
+                <a:tc>
+                  <a:txBody>
+                    <a:bodyPr/>
+                    <a:lstStyle/>
+                    <a:p>
+                      <a:pPr algn="r" fontAlgn="b"/>
+                      <a:r>
+                        <a:rPr lang="en-US" sz="1400" b="0" i="0" u="none" strike="noStrike">
+                          <a:solidFill>
+                            <a:srgbClr val="000000"/>
+                          </a:solidFill>
+                          <a:effectLst/>
+                          <a:latin typeface="Calibri"/>
+                        </a:rPr>
+                        <a:t>4.7</a:t>
+                      </a:r>
+                    </a:p>
+                  </a:txBody>
+                  <a:tcPr marL="12700" marR="12700" marT="12700" marB="0" anchor="b"/>
+                </a:tc>
+                <a:tc>
+                  <a:txBody>
+                    <a:bodyPr/>
+                    <a:lstStyle/>
+                    <a:p>
+                      <a:pPr algn="r" fontAlgn="b"/>
+                      <a:r>
+                        <a:rPr lang="en-US" sz="1400" b="0" i="0" u="none" strike="noStrike">
+                          <a:solidFill>
+                            <a:srgbClr val="000000"/>
+                          </a:solidFill>
+                          <a:effectLst/>
+                          <a:latin typeface="Calibri"/>
+                        </a:rPr>
+                        <a:t>1.4</a:t>
+                      </a:r>
+                    </a:p>
+                  </a:txBody>
+                  <a:tcPr marL="12700" marR="12700" marT="12700" marB="0" anchor="b"/>
+                </a:tc>
+                <a:tc>
+                  <a:txBody>
+                    <a:bodyPr/>
+                    <a:lstStyle/>
+                    <a:p>
+                      <a:pPr algn="l" fontAlgn="b"/>
+                      <a:r>
+                        <a:rPr lang="en-US" sz="1400" b="1" i="0" u="none" strike="noStrike">
+                          <a:solidFill>
+                            <a:srgbClr val="000000"/>
+                          </a:solidFill>
+                          <a:effectLst/>
+                          <a:latin typeface="Calibri"/>
+                        </a:rPr>
+                        <a:t>Iris-versicolor</a:t>
+                      </a:r>
+                    </a:p>
+                  </a:txBody>
+                  <a:tcPr marL="12700" marR="12700" marT="12700" marB="0" anchor="b"/>
+                </a:tc>
+              </a:tr>
+              <a:tr h="370840">
+                <a:tc>
+                  <a:txBody>
+                    <a:bodyPr/>
+                    <a:lstStyle/>
+                    <a:p>
+                      <a:pPr algn="r" fontAlgn="b"/>
+                      <a:r>
+                        <a:rPr lang="en-US" sz="1400" b="0" i="0" u="none" strike="noStrike">
+                          <a:solidFill>
+                            <a:srgbClr val="000000"/>
+                          </a:solidFill>
+                          <a:effectLst/>
+                          <a:latin typeface="Calibri"/>
+                        </a:rPr>
+                        <a:t>6.4</a:t>
+                      </a:r>
+                    </a:p>
+                  </a:txBody>
+                  <a:tcPr marL="12700" marR="12700" marT="12700" marB="0" anchor="b"/>
+                </a:tc>
+                <a:tc>
+                  <a:txBody>
+                    <a:bodyPr/>
+                    <a:lstStyle/>
+                    <a:p>
+                      <a:pPr algn="r" fontAlgn="b"/>
+                      <a:r>
+                        <a:rPr lang="en-US" sz="1400" b="0" i="0" u="none" strike="noStrike">
+                          <a:solidFill>
+                            <a:srgbClr val="000000"/>
+                          </a:solidFill>
+                          <a:effectLst/>
+                          <a:latin typeface="Calibri"/>
+                        </a:rPr>
+                        <a:t>3.2</a:t>
+                      </a:r>
+                    </a:p>
+                  </a:txBody>
+                  <a:tcPr marL="12700" marR="12700" marT="12700" marB="0" anchor="b"/>
+                </a:tc>
+                <a:tc>
+                  <a:txBody>
+                    <a:bodyPr/>
+                    <a:lstStyle/>
+                    <a:p>
+                      <a:pPr algn="r" fontAlgn="b"/>
+                      <a:r>
+                        <a:rPr lang="en-US" sz="1400" b="0" i="0" u="none" strike="noStrike">
+                          <a:solidFill>
+                            <a:srgbClr val="000000"/>
+                          </a:solidFill>
+                          <a:effectLst/>
+                          <a:latin typeface="Calibri"/>
+                        </a:rPr>
+                        <a:t>4.5</a:t>
+                      </a:r>
+                    </a:p>
+                  </a:txBody>
+                  <a:tcPr marL="12700" marR="12700" marT="12700" marB="0" anchor="b"/>
+                </a:tc>
+                <a:tc>
+                  <a:txBody>
+                    <a:bodyPr/>
+                    <a:lstStyle/>
+                    <a:p>
+                      <a:pPr algn="r" fontAlgn="b"/>
+                      <a:r>
+                        <a:rPr lang="en-US" sz="1400" b="0" i="0" u="none" strike="noStrike">
+                          <a:solidFill>
+                            <a:srgbClr val="000000"/>
+                          </a:solidFill>
+                          <a:effectLst/>
+                          <a:latin typeface="Calibri"/>
+                        </a:rPr>
+                        <a:t>1.5</a:t>
+                      </a:r>
+                    </a:p>
+                  </a:txBody>
+                  <a:tcPr marL="12700" marR="12700" marT="12700" marB="0" anchor="b"/>
+                </a:tc>
+                <a:tc>
+                  <a:txBody>
+                    <a:bodyPr/>
+                    <a:lstStyle/>
+                    <a:p>
+                      <a:pPr algn="l" fontAlgn="b"/>
+                      <a:r>
+                        <a:rPr lang="en-US" sz="1400" b="1" i="0" u="none" strike="noStrike">
+                          <a:solidFill>
+                            <a:srgbClr val="000000"/>
+                          </a:solidFill>
+                          <a:effectLst/>
+                          <a:latin typeface="Calibri"/>
+                        </a:rPr>
+                        <a:t>Iris-versicolor</a:t>
+                      </a:r>
+                    </a:p>
+                  </a:txBody>
+                  <a:tcPr marL="12700" marR="12700" marT="12700" marB="0" anchor="b"/>
+                </a:tc>
+              </a:tr>
+              <a:tr h="370840">
+                <a:tc>
+                  <a:txBody>
+                    <a:bodyPr/>
+                    <a:lstStyle/>
+                    <a:p>
+                      <a:pPr algn="r" fontAlgn="b"/>
+                      <a:r>
+                        <a:rPr lang="en-US" sz="1400" b="0" i="0" u="none" strike="noStrike">
+                          <a:solidFill>
+                            <a:srgbClr val="000000"/>
+                          </a:solidFill>
+                          <a:effectLst/>
+                          <a:latin typeface="Calibri"/>
+                        </a:rPr>
+                        <a:t>7.7</a:t>
+                      </a:r>
+                    </a:p>
+                  </a:txBody>
+                  <a:tcPr marL="12700" marR="12700" marT="12700" marB="0" anchor="b"/>
+                </a:tc>
+                <a:tc>
+                  <a:txBody>
+                    <a:bodyPr/>
+                    <a:lstStyle/>
+                    <a:p>
+                      <a:pPr algn="r" fontAlgn="b"/>
+                      <a:r>
+                        <a:rPr lang="en-US" sz="1400" b="0" i="0" u="none" strike="noStrike">
+                          <a:solidFill>
+                            <a:srgbClr val="000000"/>
+                          </a:solidFill>
+                          <a:effectLst/>
+                          <a:latin typeface="Calibri"/>
+                        </a:rPr>
+                        <a:t>2.6</a:t>
+                      </a:r>
+                    </a:p>
+                  </a:txBody>
+                  <a:tcPr marL="12700" marR="12700" marT="12700" marB="0" anchor="b"/>
+                </a:tc>
+                <a:tc>
+                  <a:txBody>
+                    <a:bodyPr/>
+                    <a:lstStyle/>
+                    <a:p>
+                      <a:pPr algn="r" fontAlgn="b"/>
+                      <a:r>
+                        <a:rPr lang="en-US" sz="1400" b="0" i="0" u="none" strike="noStrike">
+                          <a:solidFill>
+                            <a:srgbClr val="000000"/>
+                          </a:solidFill>
+                          <a:effectLst/>
+                          <a:latin typeface="Calibri"/>
+                        </a:rPr>
+                        <a:t>6.9</a:t>
+                      </a:r>
+                    </a:p>
+                  </a:txBody>
+                  <a:tcPr marL="12700" marR="12700" marT="12700" marB="0" anchor="b"/>
+                </a:tc>
+                <a:tc>
+                  <a:txBody>
+                    <a:bodyPr/>
+                    <a:lstStyle/>
+                    <a:p>
+                      <a:pPr algn="r" fontAlgn="b"/>
+                      <a:r>
+                        <a:rPr lang="en-US" sz="1400" b="0" i="0" u="none" strike="noStrike" dirty="0">
+                          <a:solidFill>
+                            <a:srgbClr val="000000"/>
+                          </a:solidFill>
+                          <a:effectLst/>
+                          <a:latin typeface="Calibri"/>
+                        </a:rPr>
+                        <a:t>2.3</a:t>
+                      </a:r>
+                    </a:p>
+                  </a:txBody>
+                  <a:tcPr marL="12700" marR="12700" marT="12700" marB="0" anchor="b"/>
+                </a:tc>
+                <a:tc>
+                  <a:txBody>
+                    <a:bodyPr/>
+                    <a:lstStyle/>
+                    <a:p>
+                      <a:pPr algn="l" fontAlgn="b"/>
+                      <a:r>
+                        <a:rPr lang="en-US" sz="1400" b="1" i="0" u="none" strike="noStrike">
+                          <a:solidFill>
+                            <a:srgbClr val="000000"/>
+                          </a:solidFill>
+                          <a:effectLst/>
+                          <a:latin typeface="Calibri"/>
+                        </a:rPr>
+                        <a:t>Iris-virginica</a:t>
+                      </a:r>
+                    </a:p>
+                  </a:txBody>
+                  <a:tcPr marL="12700" marR="12700" marT="12700" marB="0" anchor="b"/>
+                </a:tc>
+              </a:tr>
+              <a:tr h="370840">
+                <a:tc>
+                  <a:txBody>
+                    <a:bodyPr/>
+                    <a:lstStyle/>
+                    <a:p>
+                      <a:pPr algn="r" fontAlgn="b"/>
+                      <a:r>
+                        <a:rPr lang="en-US" sz="1400" b="0" i="0" u="none" strike="noStrike" dirty="0">
+                          <a:solidFill>
+                            <a:srgbClr val="000000"/>
+                          </a:solidFill>
+                          <a:effectLst/>
+                          <a:latin typeface="Calibri"/>
+                        </a:rPr>
+                        <a:t>6</a:t>
+                      </a:r>
+                    </a:p>
+                  </a:txBody>
+                  <a:tcPr marL="12700" marR="12700" marT="12700" marB="0" anchor="b"/>
+                </a:tc>
+                <a:tc>
+                  <a:txBody>
+                    <a:bodyPr/>
+                    <a:lstStyle/>
+                    <a:p>
+                      <a:pPr algn="r" fontAlgn="b"/>
+                      <a:r>
+                        <a:rPr lang="en-US" sz="1400" b="0" i="0" u="none" strike="noStrike" dirty="0">
+                          <a:solidFill>
+                            <a:srgbClr val="000000"/>
+                          </a:solidFill>
+                          <a:effectLst/>
+                          <a:latin typeface="Calibri"/>
+                        </a:rPr>
+                        <a:t>2.2</a:t>
+                      </a:r>
+                    </a:p>
+                  </a:txBody>
+                  <a:tcPr marL="12700" marR="12700" marT="12700" marB="0" anchor="b"/>
+                </a:tc>
+                <a:tc>
+                  <a:txBody>
+                    <a:bodyPr/>
+                    <a:lstStyle/>
+                    <a:p>
+                      <a:pPr algn="r" fontAlgn="b"/>
+                      <a:r>
+                        <a:rPr lang="en-US" sz="1400" b="0" i="0" u="none" strike="noStrike">
+                          <a:solidFill>
+                            <a:srgbClr val="000000"/>
+                          </a:solidFill>
+                          <a:effectLst/>
+                          <a:latin typeface="Calibri"/>
+                        </a:rPr>
+                        <a:t>5</a:t>
+                      </a:r>
+                    </a:p>
+                  </a:txBody>
+                  <a:tcPr marL="12700" marR="12700" marT="12700" marB="0" anchor="b"/>
+                </a:tc>
+                <a:tc>
+                  <a:txBody>
+                    <a:bodyPr/>
+                    <a:lstStyle/>
+                    <a:p>
+                      <a:pPr algn="r" fontAlgn="b"/>
+                      <a:r>
+                        <a:rPr lang="en-US" sz="1400" b="0" i="0" u="none" strike="noStrike" dirty="0">
+                          <a:solidFill>
+                            <a:srgbClr val="000000"/>
+                          </a:solidFill>
+                          <a:effectLst/>
+                          <a:latin typeface="Calibri"/>
+                        </a:rPr>
+                        <a:t>1.5</a:t>
+                      </a:r>
+                    </a:p>
+                  </a:txBody>
+                  <a:tcPr marL="12700" marR="12700" marT="12700" marB="0" anchor="b"/>
+                </a:tc>
+                <a:tc>
+                  <a:txBody>
+                    <a:bodyPr/>
+                    <a:lstStyle/>
+                    <a:p>
+                      <a:pPr algn="l" fontAlgn="b"/>
+                      <a:r>
+                        <a:rPr lang="en-US" sz="1400" b="1" i="0" u="none" strike="noStrike" dirty="0">
+                          <a:solidFill>
+                            <a:srgbClr val="000000"/>
+                          </a:solidFill>
+                          <a:effectLst/>
+                          <a:latin typeface="Calibri"/>
+                        </a:rPr>
+                        <a:t>Iris-</a:t>
+                      </a:r>
+                      <a:r>
+                        <a:rPr lang="en-US" sz="1400" b="1" i="0" u="none" strike="noStrike" dirty="0" err="1">
+                          <a:solidFill>
+                            <a:srgbClr val="000000"/>
+                          </a:solidFill>
+                          <a:effectLst/>
+                          <a:latin typeface="Calibri"/>
+                        </a:rPr>
+                        <a:t>virginica</a:t>
+                      </a:r>
+                      <a:endParaRPr lang="en-US" sz="1400" b="1" i="0" u="none" strike="noStrike" dirty="0">
+                        <a:solidFill>
+                          <a:srgbClr val="000000"/>
+                        </a:solidFill>
+                        <a:effectLst/>
+                        <a:latin typeface="Calibri"/>
+                      </a:endParaRPr>
+                    </a:p>
+                  </a:txBody>
+                  <a:tcPr marL="12700" marR="12700" marT="12700" marB="0" anchor="b"/>
+                </a:tc>
+              </a:tr>
+              <a:tr h="370840">
+                <a:tc>
+                  <a:txBody>
+                    <a:bodyPr/>
+                    <a:lstStyle/>
+                    <a:p>
+                      <a:pPr algn="r" fontAlgn="b"/>
+                      <a:endParaRPr lang="en-US" sz="1400" b="0" i="0" u="none" strike="noStrike" dirty="0">
+                        <a:solidFill>
+                          <a:srgbClr val="000000"/>
+                        </a:solidFill>
+                        <a:effectLst/>
+                        <a:latin typeface="Calibri"/>
+                      </a:endParaRPr>
+                    </a:p>
+                  </a:txBody>
+                  <a:tcPr marL="12700" marR="12700" marT="12700" marB="0" anchor="b"/>
+                </a:tc>
+                <a:tc>
+                  <a:txBody>
+                    <a:bodyPr/>
+                    <a:lstStyle/>
+                    <a:p>
+                      <a:pPr algn="r" fontAlgn="b"/>
+                      <a:endParaRPr lang="en-US" sz="1400" b="0" i="0" u="none" strike="noStrike">
+                        <a:solidFill>
+                          <a:srgbClr val="000000"/>
+                        </a:solidFill>
+                        <a:effectLst/>
+                        <a:latin typeface="Calibri"/>
+                      </a:endParaRPr>
+                    </a:p>
+                  </a:txBody>
+                  <a:tcPr marL="12700" marR="12700" marT="12700" marB="0" anchor="b"/>
+                </a:tc>
+                <a:tc>
+                  <a:txBody>
+                    <a:bodyPr/>
+                    <a:lstStyle/>
+                    <a:p>
+                      <a:pPr algn="r" fontAlgn="b"/>
+                      <a:endParaRPr lang="en-US" sz="1400" b="0" i="0" u="none" strike="noStrike" dirty="0">
+                        <a:solidFill>
+                          <a:srgbClr val="000000"/>
+                        </a:solidFill>
+                        <a:effectLst/>
+                        <a:latin typeface="Calibri"/>
+                      </a:endParaRPr>
+                    </a:p>
+                  </a:txBody>
+                  <a:tcPr marL="12700" marR="12700" marT="12700" marB="0" anchor="b"/>
+                </a:tc>
+                <a:tc>
+                  <a:txBody>
+                    <a:bodyPr/>
+                    <a:lstStyle/>
+                    <a:p>
+                      <a:pPr algn="r" fontAlgn="b"/>
+                      <a:endParaRPr lang="en-US" sz="1400" b="0" i="0" u="none" strike="noStrike" dirty="0">
+                        <a:solidFill>
+                          <a:srgbClr val="000000"/>
+                        </a:solidFill>
+                        <a:effectLst/>
+                        <a:latin typeface="Calibri"/>
+                      </a:endParaRPr>
+                    </a:p>
+                  </a:txBody>
+                  <a:tcPr marL="12700" marR="12700" marT="12700" marB="0" anchor="b"/>
+                </a:tc>
+                <a:tc>
+                  <a:txBody>
+                    <a:bodyPr/>
+                    <a:lstStyle/>
+                    <a:p>
+                      <a:pPr algn="l" fontAlgn="b"/>
+                      <a:endParaRPr lang="en-US" sz="1400" b="0" i="0" u="none" strike="noStrike" dirty="0">
+                        <a:solidFill>
+                          <a:srgbClr val="000000"/>
+                        </a:solidFill>
+                        <a:effectLst/>
+                        <a:latin typeface="Calibri"/>
+                      </a:endParaRPr>
+                    </a:p>
+                  </a:txBody>
+                  <a:tcPr marL="12700" marR="12700" marT="12700" marB="0" anchor="b"/>
+                </a:tc>
+              </a:tr>
+              <a:tr h="370840">
+                <a:tc>
+                  <a:txBody>
+                    <a:bodyPr/>
+                    <a:lstStyle/>
+                    <a:p>
+                      <a:pPr algn="r" fontAlgn="b"/>
+                      <a:r>
+                        <a:rPr lang="en-US" sz="1400" b="1" i="0" u="none" strike="noStrike" dirty="0" smtClean="0">
+                          <a:solidFill>
+                            <a:srgbClr val="FF0000"/>
+                          </a:solidFill>
+                          <a:effectLst/>
+                          <a:latin typeface="Calibri"/>
+                        </a:rPr>
+                        <a:t>5.1</a:t>
+                      </a:r>
+                      <a:endParaRPr lang="en-US" sz="1400" b="1" i="0" u="none" strike="noStrike" dirty="0">
+                        <a:solidFill>
+                          <a:srgbClr val="FF0000"/>
+                        </a:solidFill>
+                        <a:effectLst/>
+                        <a:latin typeface="Calibri"/>
+                      </a:endParaRPr>
+                    </a:p>
+                  </a:txBody>
+                  <a:tcPr marL="12700" marR="12700" marT="12700" marB="0" anchor="b"/>
+                </a:tc>
+                <a:tc>
+                  <a:txBody>
+                    <a:bodyPr/>
+                    <a:lstStyle/>
+                    <a:p>
+                      <a:pPr algn="r" fontAlgn="b"/>
+                      <a:r>
+                        <a:rPr lang="en-US" sz="1400" b="1" i="0" u="none" strike="noStrike" dirty="0" smtClean="0">
+                          <a:solidFill>
+                            <a:srgbClr val="FF0000"/>
+                          </a:solidFill>
+                          <a:effectLst/>
+                          <a:latin typeface="Calibri"/>
+                        </a:rPr>
+                        <a:t>3.4</a:t>
+                      </a:r>
+                      <a:endParaRPr lang="en-US" sz="1400" b="1" i="0" u="none" strike="noStrike" dirty="0">
+                        <a:solidFill>
+                          <a:srgbClr val="FF0000"/>
+                        </a:solidFill>
+                        <a:effectLst/>
+                        <a:latin typeface="Calibri"/>
+                      </a:endParaRPr>
+                    </a:p>
+                  </a:txBody>
+                  <a:tcPr marL="12700" marR="12700" marT="12700" marB="0" anchor="b"/>
+                </a:tc>
+                <a:tc>
+                  <a:txBody>
+                    <a:bodyPr/>
+                    <a:lstStyle/>
+                    <a:p>
+                      <a:pPr algn="r" fontAlgn="b"/>
+                      <a:r>
+                        <a:rPr lang="en-US" sz="1400" b="1" i="0" u="none" strike="noStrike" dirty="0" smtClean="0">
+                          <a:solidFill>
+                            <a:srgbClr val="FF0000"/>
+                          </a:solidFill>
+                          <a:effectLst/>
+                          <a:latin typeface="Calibri"/>
+                        </a:rPr>
+                        <a:t>1.5</a:t>
+                      </a:r>
+                      <a:endParaRPr lang="en-US" sz="1400" b="1" i="0" u="none" strike="noStrike" dirty="0">
+                        <a:solidFill>
+                          <a:srgbClr val="FF0000"/>
+                        </a:solidFill>
+                        <a:effectLst/>
+                        <a:latin typeface="Calibri"/>
+                      </a:endParaRPr>
+                    </a:p>
+                  </a:txBody>
+                  <a:tcPr marL="12700" marR="12700" marT="12700" marB="0" anchor="b"/>
+                </a:tc>
+                <a:tc>
+                  <a:txBody>
+                    <a:bodyPr/>
+                    <a:lstStyle/>
+                    <a:p>
+                      <a:pPr algn="r" fontAlgn="b"/>
+                      <a:r>
+                        <a:rPr lang="en-US" sz="1400" b="1" i="0" u="none" strike="noStrike" dirty="0" smtClean="0">
+                          <a:solidFill>
+                            <a:srgbClr val="FF0000"/>
+                          </a:solidFill>
+                          <a:effectLst/>
+                          <a:latin typeface="Calibri"/>
+                        </a:rPr>
+                        <a:t>0.2</a:t>
+                      </a:r>
+                      <a:endParaRPr lang="en-US" sz="1400" b="1" i="0" u="none" strike="noStrike" dirty="0">
+                        <a:solidFill>
+                          <a:srgbClr val="FF0000"/>
+                        </a:solidFill>
+                        <a:effectLst/>
+                        <a:latin typeface="Calibri"/>
+                      </a:endParaRPr>
+                    </a:p>
+                  </a:txBody>
+                  <a:tcPr marL="12700" marR="12700" marT="12700" marB="0" anchor="b"/>
+                </a:tc>
+                <a:tc>
+                  <a:txBody>
+                    <a:bodyPr/>
+                    <a:lstStyle/>
+                    <a:p>
+                      <a:pPr algn="l" fontAlgn="b"/>
+                      <a:r>
+                        <a:rPr lang="en-US" sz="1400" b="1" i="0" u="none" strike="noStrike" dirty="0" smtClean="0">
+                          <a:solidFill>
+                            <a:srgbClr val="FF0000"/>
+                          </a:solidFill>
+                          <a:effectLst/>
+                          <a:latin typeface="Calibri"/>
+                        </a:rPr>
+                        <a:t>???</a:t>
+                      </a:r>
+                      <a:endParaRPr lang="en-US" sz="1400" b="1" i="0" u="none" strike="noStrike" dirty="0">
+                        <a:solidFill>
+                          <a:srgbClr val="FF0000"/>
+                        </a:solidFill>
+                        <a:effectLst/>
+                        <a:latin typeface="Calibri"/>
+                      </a:endParaRPr>
+                    </a:p>
+                  </a:txBody>
+                  <a:tcPr marL="12700" marR="12700" marT="12700" marB="0" anchor="b"/>
+                </a:tc>
+              </a:tr>
+            </a:tbl>
+          </a:graphicData>
+        </a:graphic>
+      </p:graphicFrame>
+      <p:sp>
+        <p:nvSpPr>
+          <p:cNvPr id="5" name="TextBox 4"/>
+          <p:cNvSpPr txBox="1"/>
+          <p:nvPr/>
+        </p:nvSpPr>
+        <p:spPr>
+          <a:xfrm>
+            <a:off x="457200" y="5106737"/>
+            <a:ext cx="7978274" cy="1754327"/>
+          </a:xfrm>
+          <a:prstGeom prst="rect">
+            <a:avLst/>
+          </a:prstGeom>
+          <a:noFill/>
+        </p:spPr>
+        <p:txBody>
+          <a:bodyPr wrap="square" rtlCol="0">
+            <a:spAutoFit/>
+          </a:bodyPr>
+          <a:lstStyle/>
+          <a:p>
+            <a:r>
+              <a:rPr lang="en-US" dirty="0" smtClean="0"/>
+              <a:t>Compute:</a:t>
+            </a:r>
+          </a:p>
+          <a:p>
+            <a:pPr marL="342900" indent="-342900">
+              <a:buFont typeface="+mj-lt"/>
+              <a:buAutoNum type="arabicPeriod"/>
+            </a:pPr>
+            <a:r>
+              <a:rPr lang="en-US" dirty="0" smtClean="0"/>
+              <a:t>Euclidean distance to each of 6 data points above</a:t>
+            </a:r>
+          </a:p>
+          <a:p>
+            <a:pPr marL="342900" indent="-342900">
+              <a:buFont typeface="+mj-lt"/>
+              <a:buAutoNum type="arabicPeriod"/>
+            </a:pPr>
+            <a:endParaRPr lang="en-US" dirty="0" smtClean="0"/>
+          </a:p>
+          <a:p>
+            <a:pPr marL="342900" indent="-342900">
+              <a:buFont typeface="+mj-lt"/>
+              <a:buAutoNum type="arabicPeriod"/>
+            </a:pPr>
+            <a:endParaRPr lang="en-US" dirty="0" smtClean="0"/>
+          </a:p>
+          <a:p>
+            <a:pPr marL="342900" indent="-342900">
+              <a:buFont typeface="+mj-lt"/>
+              <a:buAutoNum type="arabicPeriod"/>
+            </a:pPr>
+            <a:r>
+              <a:rPr lang="en-US" dirty="0" smtClean="0"/>
+              <a:t>Which is the class assigned by k-</a:t>
+            </a:r>
+            <a:r>
+              <a:rPr lang="en-US" dirty="0" err="1" smtClean="0"/>
+              <a:t>nn</a:t>
+            </a:r>
+            <a:r>
+              <a:rPr lang="en-US" dirty="0" smtClean="0"/>
+              <a:t> for k = 1? </a:t>
+            </a:r>
+            <a:r>
+              <a:rPr lang="en-US" dirty="0"/>
+              <a:t>k</a:t>
+            </a:r>
+            <a:r>
+              <a:rPr lang="en-US" dirty="0" smtClean="0"/>
+              <a:t>=4</a:t>
+            </a:r>
+          </a:p>
+          <a:p>
+            <a:endParaRPr lang="en-US" dirty="0"/>
+          </a:p>
+        </p:txBody>
+      </p:sp>
+      <p:pic>
+        <p:nvPicPr>
+          <p:cNvPr id="6" name="Picture 5"/>
+          <p:cNvPicPr>
+            <a:picLocks noChangeAspect="1"/>
+          </p:cNvPicPr>
+          <p:nvPr/>
+        </p:nvPicPr>
+        <p:blipFill>
+          <a:blip r:embed="rId3"/>
+          <a:stretch>
+            <a:fillRect/>
+          </a:stretch>
+        </p:blipFill>
+        <p:spPr>
+          <a:xfrm>
+            <a:off x="681789" y="5592599"/>
+            <a:ext cx="7900737" cy="713286"/>
+          </a:xfrm>
+          <a:prstGeom prst="rect">
+            <a:avLst/>
+          </a:prstGeom>
+        </p:spPr>
+      </p:pic>
+    </p:spTree>
+    <p:extLst>
+      <p:ext uri="{BB962C8B-B14F-4D97-AF65-F5344CB8AC3E}">
+        <p14:creationId xmlns:p14="http://schemas.microsoft.com/office/powerpoint/2010/main" val="3006062479"/>
+      </p:ext>
+    </p:extLst>
+  </p:cSld>
+  <p:clrMapOvr>
+    <a:masterClrMapping/>
+  </p:clrMapOvr>
+  <p:timing>
+    <p:tnLst>
+      <p:par>
+        <p:cTn xmlns:p14="http://schemas.microsoft.com/office/powerpoint/2010/main" id="1" dur="indefinite" restart="never" nodeType="tmRoot"/>
+      </p:par>
+    </p:tnLst>
+  </p:timing>
+</p:sld>
+</file>
+
+<file path=ppt/slides/slide31.xml><?xml version="1.0" encoding="utf-8"?>
+<p:sld xmlns:a="http://schemas.openxmlformats.org/drawingml/2006/main" xmlns:r="http://schemas.openxmlformats.org/officeDocument/2006/relationships" xmlns:p="http://schemas.openxmlformats.org/presentationml/2006/main">
+  <p:cSld>
+    <p:spTree>
+      <p:nvGrpSpPr>
+        <p:cNvPr id="1" name=""/>
+        <p:cNvGrpSpPr/>
+        <p:nvPr/>
+      </p:nvGrpSpPr>
+      <p:grpSpPr>
+        <a:xfrm>
+          <a:off x="0" y="0"/>
+          <a:ext cx="0" cy="0"/>
+          <a:chOff x="0" y="0"/>
+          <a:chExt cx="0" cy="0"/>
+        </a:xfrm>
+      </p:grpSpPr>
+      <p:sp>
+        <p:nvSpPr>
+          <p:cNvPr id="2" name="Title 1"/>
+          <p:cNvSpPr>
+            <a:spLocks noGrp="1"/>
+          </p:cNvSpPr>
+          <p:nvPr>
+            <p:ph type="title"/>
+          </p:nvPr>
+        </p:nvSpPr>
+        <p:spPr/>
+        <p:txBody>
+          <a:bodyPr/>
+          <a:lstStyle/>
+          <a:p>
+            <a:r>
+              <a:rPr lang="en-US" dirty="0" smtClean="0"/>
+              <a:t>Feature Normalization</a:t>
+            </a:r>
+            <a:endParaRPr lang="en-US" dirty="0"/>
+          </a:p>
+        </p:txBody>
+      </p:sp>
+      <p:sp>
+        <p:nvSpPr>
+          <p:cNvPr id="3" name="Content Placeholder 2"/>
+          <p:cNvSpPr>
+            <a:spLocks noGrp="1"/>
+          </p:cNvSpPr>
+          <p:nvPr>
+            <p:ph idx="1"/>
+          </p:nvPr>
+        </p:nvSpPr>
+        <p:spPr/>
+        <p:txBody>
+          <a:bodyPr/>
+          <a:lstStyle/>
+          <a:p>
+            <a:r>
+              <a:rPr lang="en-US" dirty="0" smtClean="0"/>
+              <a:t>K-</a:t>
+            </a:r>
+            <a:r>
+              <a:rPr lang="en-US" dirty="0" err="1" smtClean="0"/>
+              <a:t>nn</a:t>
+            </a:r>
+            <a:r>
+              <a:rPr lang="en-US" dirty="0" smtClean="0"/>
+              <a:t> needs data to be pre-processed</a:t>
+            </a:r>
+          </a:p>
+          <a:p>
+            <a:r>
+              <a:rPr lang="en-US" dirty="0" smtClean="0"/>
+              <a:t>Data should be normalized</a:t>
+            </a:r>
+          </a:p>
+          <a:p>
+            <a:pPr lvl="1"/>
+            <a:r>
+              <a:rPr lang="en-US" dirty="0" smtClean="0"/>
+              <a:t>Standard Score normalization – </a:t>
+            </a:r>
+          </a:p>
+          <a:p>
+            <a:pPr lvl="1"/>
+            <a:endParaRPr lang="en-US" dirty="0" smtClean="0"/>
+          </a:p>
+          <a:p>
+            <a:pPr lvl="1"/>
+            <a:r>
+              <a:rPr lang="en-US" dirty="0" smtClean="0"/>
+              <a:t>Feature Scaling – </a:t>
+            </a:r>
+          </a:p>
+          <a:p>
+            <a:endParaRPr lang="en-US" dirty="0"/>
+          </a:p>
+          <a:p>
+            <a:r>
+              <a:rPr lang="en-US" dirty="0" smtClean="0"/>
+              <a:t>What happens if data is not normalized?</a:t>
+            </a:r>
+            <a:endParaRPr lang="en-US" dirty="0"/>
+          </a:p>
+        </p:txBody>
+      </p:sp>
+      <p:pic>
+        <p:nvPicPr>
+          <p:cNvPr id="4" name="Picture 3"/>
+          <p:cNvPicPr>
+            <a:picLocks noChangeAspect="1"/>
+          </p:cNvPicPr>
+          <p:nvPr/>
+        </p:nvPicPr>
+        <p:blipFill>
+          <a:blip r:embed="rId3"/>
+          <a:stretch>
+            <a:fillRect/>
+          </a:stretch>
+        </p:blipFill>
+        <p:spPr>
+          <a:xfrm>
+            <a:off x="4937625" y="2377851"/>
+            <a:ext cx="864269" cy="656204"/>
+          </a:xfrm>
+          <a:prstGeom prst="rect">
+            <a:avLst/>
+          </a:prstGeom>
+        </p:spPr>
+      </p:pic>
+      <p:pic>
+        <p:nvPicPr>
+          <p:cNvPr id="5" name="Picture 4"/>
+          <p:cNvPicPr>
+            <a:picLocks noChangeAspect="1"/>
+          </p:cNvPicPr>
+          <p:nvPr/>
+        </p:nvPicPr>
+        <p:blipFill>
+          <a:blip r:embed="rId4"/>
+          <a:stretch>
+            <a:fillRect/>
+          </a:stretch>
+        </p:blipFill>
+        <p:spPr>
+          <a:xfrm>
+            <a:off x="3308014" y="3181107"/>
+            <a:ext cx="2615960" cy="795422"/>
+          </a:xfrm>
+          <a:prstGeom prst="rect">
+            <a:avLst/>
+          </a:prstGeom>
+        </p:spPr>
+      </p:pic>
+    </p:spTree>
+    <p:extLst>
+      <p:ext uri="{BB962C8B-B14F-4D97-AF65-F5344CB8AC3E}">
+        <p14:creationId xmlns:p14="http://schemas.microsoft.com/office/powerpoint/2010/main" val="102144321"/>
+      </p:ext>
+    </p:extLst>
+  </p:cSld>
+  <p:clrMapOvr>
+    <a:masterClrMapping/>
+  </p:clrMapOvr>
+  <p:timing>
+    <p:tnLst>
+      <p:par>
+        <p:cTn xmlns:p14="http://schemas.microsoft.com/office/powerpoint/2010/main" id="1" dur="indefinite" restart="never" nodeType="tmRoot"/>
+      </p:par>
+    </p:tnLst>
+  </p:timing>
+</p:sld>
+</file>
+
+<file path=ppt/slides/slide32.xml><?xml version="1.0" encoding="utf-8"?>
+<p:sld xmlns:a="http://schemas.openxmlformats.org/drawingml/2006/main" xmlns:r="http://schemas.openxmlformats.org/officeDocument/2006/relationships" xmlns:p="http://schemas.openxmlformats.org/presentationml/2006/main">
+  <p:cSld>
+    <p:spTree>
+      <p:nvGrpSpPr>
+        <p:cNvPr id="1" name=""/>
+        <p:cNvGrpSpPr/>
+        <p:nvPr/>
+      </p:nvGrpSpPr>
+      <p:grpSpPr>
+        <a:xfrm>
+          <a:off x="0" y="0"/>
+          <a:ext cx="0" cy="0"/>
+          <a:chOff x="0" y="0"/>
+          <a:chExt cx="0" cy="0"/>
+        </a:xfrm>
+      </p:grpSpPr>
+      <p:sp>
+        <p:nvSpPr>
+          <p:cNvPr id="2" name="Title 1"/>
+          <p:cNvSpPr>
+            <a:spLocks noGrp="1"/>
+          </p:cNvSpPr>
+          <p:nvPr>
+            <p:ph type="title"/>
+          </p:nvPr>
+        </p:nvSpPr>
+        <p:spPr/>
+        <p:txBody>
+          <a:bodyPr/>
+          <a:lstStyle/>
+          <a:p>
+            <a:r>
+              <a:rPr lang="en-US" dirty="0" smtClean="0"/>
+              <a:t>Iris Dataset – Feature Normalize</a:t>
+            </a:r>
+            <a:endParaRPr lang="en-US" dirty="0"/>
+          </a:p>
+        </p:txBody>
+      </p:sp>
+      <p:graphicFrame>
+        <p:nvGraphicFramePr>
+          <p:cNvPr id="4" name="Content Placeholder 3"/>
+          <p:cNvGraphicFramePr>
+            <a:graphicFrameLocks noGrp="1"/>
+          </p:cNvGraphicFramePr>
+          <p:nvPr>
+            <p:ph idx="1"/>
+            <p:extLst>
+              <p:ext uri="{D42A27DB-BD31-4B8C-83A1-F6EECF244321}">
+                <p14:modId xmlns:p14="http://schemas.microsoft.com/office/powerpoint/2010/main" val="1981310231"/>
+              </p:ext>
+            </p:extLst>
+          </p:nvPr>
+        </p:nvGraphicFramePr>
+        <p:xfrm>
+          <a:off x="457200" y="1600200"/>
+          <a:ext cx="8229600" cy="2595880"/>
+        </p:xfrm>
+        <a:graphic>
+          <a:graphicData uri="http://schemas.openxmlformats.org/drawingml/2006/table">
+            <a:tbl>
+              <a:tblPr firstRow="1" bandRow="1">
+                <a:tableStyleId>{5C22544A-7EE6-4342-B048-85BDC9FD1C3A}</a:tableStyleId>
+              </a:tblPr>
+              <a:tblGrid>
+                <a:gridCol w="1645920"/>
+                <a:gridCol w="1645920"/>
+                <a:gridCol w="1645920"/>
+                <a:gridCol w="1645920"/>
+                <a:gridCol w="1645920"/>
+              </a:tblGrid>
+              <a:tr h="370840">
+                <a:tc>
+                  <a:txBody>
+                    <a:bodyPr/>
+                    <a:lstStyle/>
+                    <a:p>
+                      <a:pPr algn="l" fontAlgn="b"/>
+                      <a:r>
+                        <a:rPr lang="en-US" sz="1400" b="0" i="0" u="none" strike="noStrike" dirty="0" smtClean="0">
+                          <a:solidFill>
+                            <a:srgbClr val="000000"/>
+                          </a:solidFill>
+                          <a:effectLst/>
+                          <a:latin typeface="Calibri"/>
+                        </a:rPr>
+                        <a:t>Sepal Length</a:t>
+                      </a:r>
+                      <a:endParaRPr lang="en-US" sz="1400" b="0" i="0" u="none" strike="noStrike" dirty="0">
+                        <a:solidFill>
+                          <a:srgbClr val="000000"/>
+                        </a:solidFill>
+                        <a:effectLst/>
+                        <a:latin typeface="Calibri"/>
+                      </a:endParaRPr>
+                    </a:p>
+                  </a:txBody>
+                  <a:tcPr marL="12700" marR="12700" marT="12700" marB="0" anchor="b"/>
+                </a:tc>
+                <a:tc>
+                  <a:txBody>
+                    <a:bodyPr/>
+                    <a:lstStyle/>
+                    <a:p>
+                      <a:pPr algn="l" fontAlgn="b"/>
+                      <a:r>
+                        <a:rPr lang="en-US" sz="1400" b="0" i="0" u="none" strike="noStrike" dirty="0" smtClean="0">
+                          <a:solidFill>
+                            <a:srgbClr val="000000"/>
+                          </a:solidFill>
+                          <a:effectLst/>
+                          <a:latin typeface="Calibri"/>
+                        </a:rPr>
+                        <a:t>Sepal Width</a:t>
+                      </a:r>
+                      <a:endParaRPr lang="en-US" sz="1400" b="0" i="0" u="none" strike="noStrike" dirty="0">
+                        <a:solidFill>
+                          <a:srgbClr val="000000"/>
+                        </a:solidFill>
+                        <a:effectLst/>
+                        <a:latin typeface="Calibri"/>
+                      </a:endParaRPr>
+                    </a:p>
+                  </a:txBody>
+                  <a:tcPr marL="12700" marR="12700" marT="12700" marB="0" anchor="b"/>
+                </a:tc>
+                <a:tc>
+                  <a:txBody>
+                    <a:bodyPr/>
+                    <a:lstStyle/>
+                    <a:p>
+                      <a:pPr algn="l" fontAlgn="b"/>
+                      <a:r>
+                        <a:rPr lang="en-US" sz="1400" b="0" i="0" u="none" strike="noStrike" dirty="0" smtClean="0">
+                          <a:solidFill>
+                            <a:srgbClr val="000000"/>
+                          </a:solidFill>
+                          <a:effectLst/>
+                          <a:latin typeface="Calibri"/>
+                        </a:rPr>
+                        <a:t>Petal Length</a:t>
+                      </a:r>
+                      <a:endParaRPr lang="en-US" sz="1400" b="0" i="0" u="none" strike="noStrike" dirty="0">
+                        <a:solidFill>
+                          <a:srgbClr val="000000"/>
+                        </a:solidFill>
+                        <a:effectLst/>
+                        <a:latin typeface="Calibri"/>
+                      </a:endParaRPr>
+                    </a:p>
+                  </a:txBody>
+                  <a:tcPr marL="12700" marR="12700" marT="12700" marB="0" anchor="b"/>
+                </a:tc>
+                <a:tc>
+                  <a:txBody>
+                    <a:bodyPr/>
+                    <a:lstStyle/>
+                    <a:p>
+                      <a:pPr algn="l" fontAlgn="b"/>
+                      <a:r>
+                        <a:rPr lang="en-US" sz="1400" b="0" i="0" u="none" strike="noStrike" dirty="0" smtClean="0">
+                          <a:solidFill>
+                            <a:srgbClr val="000000"/>
+                          </a:solidFill>
+                          <a:effectLst/>
+                          <a:latin typeface="Calibri"/>
+                        </a:rPr>
+                        <a:t>Petal</a:t>
+                      </a:r>
+                      <a:r>
+                        <a:rPr lang="en-US" sz="1400" b="0" i="0" u="none" strike="noStrike" baseline="0" dirty="0" smtClean="0">
+                          <a:solidFill>
+                            <a:srgbClr val="000000"/>
+                          </a:solidFill>
+                          <a:effectLst/>
+                          <a:latin typeface="Calibri"/>
+                        </a:rPr>
+                        <a:t> </a:t>
+                      </a:r>
+                      <a:r>
+                        <a:rPr lang="en-US" sz="1400" b="0" i="0" u="none" strike="noStrike" dirty="0" smtClean="0">
+                          <a:solidFill>
+                            <a:srgbClr val="000000"/>
+                          </a:solidFill>
+                          <a:effectLst/>
+                          <a:latin typeface="Calibri"/>
+                        </a:rPr>
+                        <a:t>Width</a:t>
+                      </a:r>
+                      <a:endParaRPr lang="en-US" sz="1400" b="0" i="0" u="none" strike="noStrike" dirty="0">
+                        <a:solidFill>
+                          <a:srgbClr val="000000"/>
+                        </a:solidFill>
+                        <a:effectLst/>
+                        <a:latin typeface="Calibri"/>
+                      </a:endParaRPr>
+                    </a:p>
+                  </a:txBody>
+                  <a:tcPr marL="12700" marR="12700" marT="12700" marB="0" anchor="b"/>
+                </a:tc>
+                <a:tc>
+                  <a:txBody>
+                    <a:bodyPr/>
+                    <a:lstStyle/>
+                    <a:p>
+                      <a:pPr algn="l" fontAlgn="b"/>
+                      <a:r>
+                        <a:rPr lang="en-US" sz="1400" b="0" i="0" u="none" strike="noStrike" dirty="0" smtClean="0">
+                          <a:solidFill>
+                            <a:srgbClr val="000000"/>
+                          </a:solidFill>
+                          <a:effectLst/>
+                          <a:latin typeface="Calibri"/>
+                        </a:rPr>
+                        <a:t>Class</a:t>
+                      </a:r>
+                      <a:endParaRPr lang="en-US" sz="1400" b="0" i="0" u="none" strike="noStrike" dirty="0">
+                        <a:solidFill>
+                          <a:srgbClr val="000000"/>
+                        </a:solidFill>
+                        <a:effectLst/>
+                        <a:latin typeface="Calibri"/>
+                      </a:endParaRPr>
+                    </a:p>
+                  </a:txBody>
+                  <a:tcPr marL="12700" marR="12700" marT="12700" marB="0" anchor="b"/>
+                </a:tc>
+              </a:tr>
+              <a:tr h="370840">
+                <a:tc>
+                  <a:txBody>
+                    <a:bodyPr/>
+                    <a:lstStyle/>
+                    <a:p>
+                      <a:pPr algn="r" fontAlgn="b"/>
+                      <a:r>
+                        <a:rPr lang="en-US" sz="1400" b="0" i="0" u="none" strike="noStrike" dirty="0">
+                          <a:solidFill>
+                            <a:srgbClr val="000000"/>
+                          </a:solidFill>
+                          <a:effectLst/>
+                          <a:latin typeface="Calibri"/>
+                        </a:rPr>
+                        <a:t>5.3</a:t>
+                      </a:r>
+                    </a:p>
+                  </a:txBody>
+                  <a:tcPr marL="12700" marR="12700" marT="12700" marB="0" anchor="b"/>
+                </a:tc>
+                <a:tc>
+                  <a:txBody>
+                    <a:bodyPr/>
+                    <a:lstStyle/>
+                    <a:p>
+                      <a:pPr algn="r" fontAlgn="b"/>
+                      <a:r>
+                        <a:rPr lang="en-US" sz="1400" b="0" i="0" u="none" strike="noStrike">
+                          <a:solidFill>
+                            <a:srgbClr val="000000"/>
+                          </a:solidFill>
+                          <a:effectLst/>
+                          <a:latin typeface="Calibri"/>
+                        </a:rPr>
+                        <a:t>3.7</a:t>
+                      </a:r>
+                    </a:p>
+                  </a:txBody>
+                  <a:tcPr marL="12700" marR="12700" marT="12700" marB="0" anchor="b"/>
+                </a:tc>
+                <a:tc>
+                  <a:txBody>
+                    <a:bodyPr/>
+                    <a:lstStyle/>
+                    <a:p>
+                      <a:pPr algn="r" fontAlgn="b"/>
+                      <a:r>
+                        <a:rPr lang="en-US" sz="1400" b="0" i="0" u="none" strike="noStrike">
+                          <a:solidFill>
+                            <a:srgbClr val="000000"/>
+                          </a:solidFill>
+                          <a:effectLst/>
+                          <a:latin typeface="Calibri"/>
+                        </a:rPr>
+                        <a:t>1.5</a:t>
+                      </a:r>
+                    </a:p>
+                  </a:txBody>
+                  <a:tcPr marL="12700" marR="12700" marT="12700" marB="0" anchor="b"/>
+                </a:tc>
+                <a:tc>
+                  <a:txBody>
+                    <a:bodyPr/>
+                    <a:lstStyle/>
+                    <a:p>
+                      <a:pPr algn="r" fontAlgn="b"/>
+                      <a:r>
+                        <a:rPr lang="en-US" sz="1400" b="0" i="0" u="none" strike="noStrike">
+                          <a:solidFill>
+                            <a:srgbClr val="000000"/>
+                          </a:solidFill>
+                          <a:effectLst/>
+                          <a:latin typeface="Calibri"/>
+                        </a:rPr>
+                        <a:t>0.2</a:t>
+                      </a:r>
+                    </a:p>
+                  </a:txBody>
+                  <a:tcPr marL="12700" marR="12700" marT="12700" marB="0" anchor="b"/>
+                </a:tc>
+                <a:tc>
+                  <a:txBody>
+                    <a:bodyPr/>
+                    <a:lstStyle/>
+                    <a:p>
+                      <a:pPr algn="l" fontAlgn="b"/>
+                      <a:r>
+                        <a:rPr lang="en-US" sz="1400" b="1" i="0" u="none" strike="noStrike" dirty="0">
+                          <a:solidFill>
+                            <a:srgbClr val="000000"/>
+                          </a:solidFill>
+                          <a:effectLst/>
+                          <a:latin typeface="Calibri"/>
+                        </a:rPr>
+                        <a:t>Iris-</a:t>
+                      </a:r>
+                      <a:r>
+                        <a:rPr lang="en-US" sz="1400" b="1" i="0" u="none" strike="noStrike" dirty="0" err="1">
+                          <a:solidFill>
+                            <a:srgbClr val="000000"/>
+                          </a:solidFill>
+                          <a:effectLst/>
+                          <a:latin typeface="Calibri"/>
+                        </a:rPr>
+                        <a:t>setosa</a:t>
+                      </a:r>
+                      <a:endParaRPr lang="en-US" sz="1400" b="1" i="0" u="none" strike="noStrike" dirty="0">
+                        <a:solidFill>
+                          <a:srgbClr val="000000"/>
+                        </a:solidFill>
+                        <a:effectLst/>
+                        <a:latin typeface="Calibri"/>
+                      </a:endParaRPr>
+                    </a:p>
+                  </a:txBody>
+                  <a:tcPr marL="12700" marR="12700" marT="12700" marB="0" anchor="b"/>
+                </a:tc>
+              </a:tr>
+              <a:tr h="370840">
+                <a:tc>
+                  <a:txBody>
+                    <a:bodyPr/>
+                    <a:lstStyle/>
+                    <a:p>
+                      <a:pPr algn="r" fontAlgn="b"/>
+                      <a:r>
+                        <a:rPr lang="en-US" sz="1400" b="0" i="0" u="none" strike="noStrike">
+                          <a:solidFill>
+                            <a:srgbClr val="000000"/>
+                          </a:solidFill>
+                          <a:effectLst/>
+                          <a:latin typeface="Calibri"/>
+                        </a:rPr>
+                        <a:t>5</a:t>
+                      </a:r>
+                    </a:p>
+                  </a:txBody>
+                  <a:tcPr marL="12700" marR="12700" marT="12700" marB="0" anchor="b"/>
+                </a:tc>
+                <a:tc>
+                  <a:txBody>
+                    <a:bodyPr/>
+                    <a:lstStyle/>
+                    <a:p>
+                      <a:pPr algn="r" fontAlgn="b"/>
+                      <a:r>
+                        <a:rPr lang="en-US" sz="1400" b="0" i="0" u="none" strike="noStrike" dirty="0">
+                          <a:solidFill>
+                            <a:srgbClr val="000000"/>
+                          </a:solidFill>
+                          <a:effectLst/>
+                          <a:latin typeface="Calibri"/>
+                        </a:rPr>
+                        <a:t>3.3</a:t>
+                      </a:r>
+                    </a:p>
+                  </a:txBody>
+                  <a:tcPr marL="12700" marR="12700" marT="12700" marB="0" anchor="b"/>
+                </a:tc>
+                <a:tc>
+                  <a:txBody>
+                    <a:bodyPr/>
+                    <a:lstStyle/>
+                    <a:p>
+                      <a:pPr algn="r" fontAlgn="b"/>
+                      <a:r>
+                        <a:rPr lang="en-US" sz="1400" b="0" i="0" u="none" strike="noStrike">
+                          <a:solidFill>
+                            <a:srgbClr val="000000"/>
+                          </a:solidFill>
+                          <a:effectLst/>
+                          <a:latin typeface="Calibri"/>
+                        </a:rPr>
+                        <a:t>1.4</a:t>
+                      </a:r>
+                    </a:p>
+                  </a:txBody>
+                  <a:tcPr marL="12700" marR="12700" marT="12700" marB="0" anchor="b"/>
+                </a:tc>
+                <a:tc>
+                  <a:txBody>
+                    <a:bodyPr/>
+                    <a:lstStyle/>
+                    <a:p>
+                      <a:pPr algn="r" fontAlgn="b"/>
+                      <a:r>
+                        <a:rPr lang="en-US" sz="1400" b="0" i="0" u="none" strike="noStrike">
+                          <a:solidFill>
+                            <a:srgbClr val="000000"/>
+                          </a:solidFill>
+                          <a:effectLst/>
+                          <a:latin typeface="Calibri"/>
+                        </a:rPr>
+                        <a:t>0.2</a:t>
+                      </a:r>
+                    </a:p>
+                  </a:txBody>
+                  <a:tcPr marL="12700" marR="12700" marT="12700" marB="0" anchor="b"/>
+                </a:tc>
+                <a:tc>
+                  <a:txBody>
+                    <a:bodyPr/>
+                    <a:lstStyle/>
+                    <a:p>
+                      <a:pPr algn="l" fontAlgn="b"/>
+                      <a:r>
+                        <a:rPr lang="en-US" sz="1400" b="1" i="0" u="none" strike="noStrike">
+                          <a:solidFill>
+                            <a:srgbClr val="000000"/>
+                          </a:solidFill>
+                          <a:effectLst/>
+                          <a:latin typeface="Calibri"/>
+                        </a:rPr>
+                        <a:t>Iris-setosa</a:t>
+                      </a:r>
+                    </a:p>
+                  </a:txBody>
+                  <a:tcPr marL="12700" marR="12700" marT="12700" marB="0" anchor="b"/>
+                </a:tc>
+              </a:tr>
+              <a:tr h="370840">
+                <a:tc>
+                  <a:txBody>
+                    <a:bodyPr/>
+                    <a:lstStyle/>
+                    <a:p>
+                      <a:pPr algn="r" fontAlgn="b"/>
+                      <a:r>
+                        <a:rPr lang="en-US" sz="1400" b="0" i="0" u="none" strike="noStrike">
+                          <a:solidFill>
+                            <a:srgbClr val="000000"/>
+                          </a:solidFill>
+                          <a:effectLst/>
+                          <a:latin typeface="Calibri"/>
+                        </a:rPr>
+                        <a:t>7</a:t>
+                      </a:r>
+                    </a:p>
+                  </a:txBody>
+                  <a:tcPr marL="12700" marR="12700" marT="12700" marB="0" anchor="b"/>
+                </a:tc>
+                <a:tc>
+                  <a:txBody>
+                    <a:bodyPr/>
+                    <a:lstStyle/>
+                    <a:p>
+                      <a:pPr algn="r" fontAlgn="b"/>
+                      <a:r>
+                        <a:rPr lang="en-US" sz="1400" b="0" i="0" u="none" strike="noStrike" dirty="0">
+                          <a:solidFill>
+                            <a:srgbClr val="000000"/>
+                          </a:solidFill>
+                          <a:effectLst/>
+                          <a:latin typeface="Calibri"/>
+                        </a:rPr>
+                        <a:t>3.2</a:t>
+                      </a:r>
+                    </a:p>
+                  </a:txBody>
+                  <a:tcPr marL="12700" marR="12700" marT="12700" marB="0" anchor="b"/>
+                </a:tc>
+                <a:tc>
+                  <a:txBody>
+                    <a:bodyPr/>
+                    <a:lstStyle/>
+                    <a:p>
+                      <a:pPr algn="r" fontAlgn="b"/>
+                      <a:r>
+                        <a:rPr lang="en-US" sz="1400" b="0" i="0" u="none" strike="noStrike">
+                          <a:solidFill>
+                            <a:srgbClr val="000000"/>
+                          </a:solidFill>
+                          <a:effectLst/>
+                          <a:latin typeface="Calibri"/>
+                        </a:rPr>
+                        <a:t>4.7</a:t>
+                      </a:r>
+                    </a:p>
+                  </a:txBody>
+                  <a:tcPr marL="12700" marR="12700" marT="12700" marB="0" anchor="b"/>
+                </a:tc>
+                <a:tc>
+                  <a:txBody>
+                    <a:bodyPr/>
+                    <a:lstStyle/>
+                    <a:p>
+                      <a:pPr algn="r" fontAlgn="b"/>
+                      <a:r>
+                        <a:rPr lang="en-US" sz="1400" b="0" i="0" u="none" strike="noStrike">
+                          <a:solidFill>
+                            <a:srgbClr val="000000"/>
+                          </a:solidFill>
+                          <a:effectLst/>
+                          <a:latin typeface="Calibri"/>
+                        </a:rPr>
+                        <a:t>1.4</a:t>
+                      </a:r>
+                    </a:p>
+                  </a:txBody>
+                  <a:tcPr marL="12700" marR="12700" marT="12700" marB="0" anchor="b"/>
+                </a:tc>
+                <a:tc>
+                  <a:txBody>
+                    <a:bodyPr/>
+                    <a:lstStyle/>
+                    <a:p>
+                      <a:pPr algn="l" fontAlgn="b"/>
+                      <a:r>
+                        <a:rPr lang="en-US" sz="1400" b="1" i="0" u="none" strike="noStrike">
+                          <a:solidFill>
+                            <a:srgbClr val="000000"/>
+                          </a:solidFill>
+                          <a:effectLst/>
+                          <a:latin typeface="Calibri"/>
+                        </a:rPr>
+                        <a:t>Iris-versicolor</a:t>
+                      </a:r>
+                    </a:p>
+                  </a:txBody>
+                  <a:tcPr marL="12700" marR="12700" marT="12700" marB="0" anchor="b"/>
+                </a:tc>
+              </a:tr>
+              <a:tr h="370840">
+                <a:tc>
+                  <a:txBody>
+                    <a:bodyPr/>
+                    <a:lstStyle/>
+                    <a:p>
+                      <a:pPr algn="r" fontAlgn="b"/>
+                      <a:r>
+                        <a:rPr lang="en-US" sz="1400" b="0" i="0" u="none" strike="noStrike">
+                          <a:solidFill>
+                            <a:srgbClr val="000000"/>
+                          </a:solidFill>
+                          <a:effectLst/>
+                          <a:latin typeface="Calibri"/>
+                        </a:rPr>
+                        <a:t>6.4</a:t>
+                      </a:r>
+                    </a:p>
+                  </a:txBody>
+                  <a:tcPr marL="12700" marR="12700" marT="12700" marB="0" anchor="b"/>
+                </a:tc>
+                <a:tc>
+                  <a:txBody>
+                    <a:bodyPr/>
+                    <a:lstStyle/>
+                    <a:p>
+                      <a:pPr algn="r" fontAlgn="b"/>
+                      <a:r>
+                        <a:rPr lang="en-US" sz="1400" b="0" i="0" u="none" strike="noStrike">
+                          <a:solidFill>
+                            <a:srgbClr val="000000"/>
+                          </a:solidFill>
+                          <a:effectLst/>
+                          <a:latin typeface="Calibri"/>
+                        </a:rPr>
+                        <a:t>3.2</a:t>
+                      </a:r>
+                    </a:p>
+                  </a:txBody>
+                  <a:tcPr marL="12700" marR="12700" marT="12700" marB="0" anchor="b"/>
+                </a:tc>
+                <a:tc>
+                  <a:txBody>
+                    <a:bodyPr/>
+                    <a:lstStyle/>
+                    <a:p>
+                      <a:pPr algn="r" fontAlgn="b"/>
+                      <a:r>
+                        <a:rPr lang="en-US" sz="1400" b="0" i="0" u="none" strike="noStrike">
+                          <a:solidFill>
+                            <a:srgbClr val="000000"/>
+                          </a:solidFill>
+                          <a:effectLst/>
+                          <a:latin typeface="Calibri"/>
+                        </a:rPr>
+                        <a:t>4.5</a:t>
+                      </a:r>
+                    </a:p>
+                  </a:txBody>
+                  <a:tcPr marL="12700" marR="12700" marT="12700" marB="0" anchor="b"/>
+                </a:tc>
+                <a:tc>
+                  <a:txBody>
+                    <a:bodyPr/>
+                    <a:lstStyle/>
+                    <a:p>
+                      <a:pPr algn="r" fontAlgn="b"/>
+                      <a:r>
+                        <a:rPr lang="en-US" sz="1400" b="0" i="0" u="none" strike="noStrike">
+                          <a:solidFill>
+                            <a:srgbClr val="000000"/>
+                          </a:solidFill>
+                          <a:effectLst/>
+                          <a:latin typeface="Calibri"/>
+                        </a:rPr>
+                        <a:t>1.5</a:t>
+                      </a:r>
+                    </a:p>
+                  </a:txBody>
+                  <a:tcPr marL="12700" marR="12700" marT="12700" marB="0" anchor="b"/>
+                </a:tc>
+                <a:tc>
+                  <a:txBody>
+                    <a:bodyPr/>
+                    <a:lstStyle/>
+                    <a:p>
+                      <a:pPr algn="l" fontAlgn="b"/>
+                      <a:r>
+                        <a:rPr lang="en-US" sz="1400" b="1" i="0" u="none" strike="noStrike">
+                          <a:solidFill>
+                            <a:srgbClr val="000000"/>
+                          </a:solidFill>
+                          <a:effectLst/>
+                          <a:latin typeface="Calibri"/>
+                        </a:rPr>
+                        <a:t>Iris-versicolor</a:t>
+                      </a:r>
+                    </a:p>
+                  </a:txBody>
+                  <a:tcPr marL="12700" marR="12700" marT="12700" marB="0" anchor="b"/>
+                </a:tc>
+              </a:tr>
+              <a:tr h="370840">
+                <a:tc>
+                  <a:txBody>
+                    <a:bodyPr/>
+                    <a:lstStyle/>
+                    <a:p>
+                      <a:pPr algn="r" fontAlgn="b"/>
+                      <a:r>
+                        <a:rPr lang="en-US" sz="1400" b="0" i="0" u="none" strike="noStrike">
+                          <a:solidFill>
+                            <a:srgbClr val="000000"/>
+                          </a:solidFill>
+                          <a:effectLst/>
+                          <a:latin typeface="Calibri"/>
+                        </a:rPr>
+                        <a:t>7.7</a:t>
+                      </a:r>
+                    </a:p>
+                  </a:txBody>
+                  <a:tcPr marL="12700" marR="12700" marT="12700" marB="0" anchor="b"/>
+                </a:tc>
+                <a:tc>
+                  <a:txBody>
+                    <a:bodyPr/>
+                    <a:lstStyle/>
+                    <a:p>
+                      <a:pPr algn="r" fontAlgn="b"/>
+                      <a:r>
+                        <a:rPr lang="en-US" sz="1400" b="0" i="0" u="none" strike="noStrike">
+                          <a:solidFill>
+                            <a:srgbClr val="000000"/>
+                          </a:solidFill>
+                          <a:effectLst/>
+                          <a:latin typeface="Calibri"/>
+                        </a:rPr>
+                        <a:t>2.6</a:t>
+                      </a:r>
+                    </a:p>
+                  </a:txBody>
+                  <a:tcPr marL="12700" marR="12700" marT="12700" marB="0" anchor="b"/>
+                </a:tc>
+                <a:tc>
+                  <a:txBody>
+                    <a:bodyPr/>
+                    <a:lstStyle/>
+                    <a:p>
+                      <a:pPr algn="r" fontAlgn="b"/>
+                      <a:r>
+                        <a:rPr lang="en-US" sz="1400" b="0" i="0" u="none" strike="noStrike">
+                          <a:solidFill>
+                            <a:srgbClr val="000000"/>
+                          </a:solidFill>
+                          <a:effectLst/>
+                          <a:latin typeface="Calibri"/>
+                        </a:rPr>
+                        <a:t>6.9</a:t>
+                      </a:r>
+                    </a:p>
+                  </a:txBody>
+                  <a:tcPr marL="12700" marR="12700" marT="12700" marB="0" anchor="b"/>
+                </a:tc>
+                <a:tc>
+                  <a:txBody>
+                    <a:bodyPr/>
+                    <a:lstStyle/>
+                    <a:p>
+                      <a:pPr algn="r" fontAlgn="b"/>
+                      <a:r>
+                        <a:rPr lang="en-US" sz="1400" b="0" i="0" u="none" strike="noStrike" dirty="0">
+                          <a:solidFill>
+                            <a:srgbClr val="000000"/>
+                          </a:solidFill>
+                          <a:effectLst/>
+                          <a:latin typeface="Calibri"/>
+                        </a:rPr>
+                        <a:t>2.3</a:t>
+                      </a:r>
+                    </a:p>
+                  </a:txBody>
+                  <a:tcPr marL="12700" marR="12700" marT="12700" marB="0" anchor="b"/>
+                </a:tc>
+                <a:tc>
+                  <a:txBody>
+                    <a:bodyPr/>
+                    <a:lstStyle/>
+                    <a:p>
+                      <a:pPr algn="l" fontAlgn="b"/>
+                      <a:r>
+                        <a:rPr lang="en-US" sz="1400" b="1" i="0" u="none" strike="noStrike">
+                          <a:solidFill>
+                            <a:srgbClr val="000000"/>
+                          </a:solidFill>
+                          <a:effectLst/>
+                          <a:latin typeface="Calibri"/>
+                        </a:rPr>
+                        <a:t>Iris-virginica</a:t>
+                      </a:r>
+                    </a:p>
+                  </a:txBody>
+                  <a:tcPr marL="12700" marR="12700" marT="12700" marB="0" anchor="b"/>
+                </a:tc>
+              </a:tr>
+              <a:tr h="370840">
+                <a:tc>
+                  <a:txBody>
+                    <a:bodyPr/>
+                    <a:lstStyle/>
+                    <a:p>
+                      <a:pPr algn="r" fontAlgn="b"/>
+                      <a:r>
+                        <a:rPr lang="en-US" sz="1400" b="0" i="0" u="none" strike="noStrike" dirty="0">
+                          <a:solidFill>
+                            <a:srgbClr val="000000"/>
+                          </a:solidFill>
+                          <a:effectLst/>
+                          <a:latin typeface="Calibri"/>
+                        </a:rPr>
+                        <a:t>6</a:t>
+                      </a:r>
+                    </a:p>
+                  </a:txBody>
+                  <a:tcPr marL="12700" marR="12700" marT="12700" marB="0" anchor="b"/>
+                </a:tc>
+                <a:tc>
+                  <a:txBody>
+                    <a:bodyPr/>
+                    <a:lstStyle/>
+                    <a:p>
+                      <a:pPr algn="r" fontAlgn="b"/>
+                      <a:r>
+                        <a:rPr lang="en-US" sz="1400" b="0" i="0" u="none" strike="noStrike" dirty="0">
+                          <a:solidFill>
+                            <a:srgbClr val="000000"/>
+                          </a:solidFill>
+                          <a:effectLst/>
+                          <a:latin typeface="Calibri"/>
+                        </a:rPr>
+                        <a:t>2.2</a:t>
+                      </a:r>
+                    </a:p>
+                  </a:txBody>
+                  <a:tcPr marL="12700" marR="12700" marT="12700" marB="0" anchor="b"/>
+                </a:tc>
+                <a:tc>
+                  <a:txBody>
+                    <a:bodyPr/>
+                    <a:lstStyle/>
+                    <a:p>
+                      <a:pPr algn="r" fontAlgn="b"/>
+                      <a:r>
+                        <a:rPr lang="en-US" sz="1400" b="0" i="0" u="none" strike="noStrike">
+                          <a:solidFill>
+                            <a:srgbClr val="000000"/>
+                          </a:solidFill>
+                          <a:effectLst/>
+                          <a:latin typeface="Calibri"/>
+                        </a:rPr>
+                        <a:t>5</a:t>
+                      </a:r>
+                    </a:p>
+                  </a:txBody>
+                  <a:tcPr marL="12700" marR="12700" marT="12700" marB="0" anchor="b"/>
+                </a:tc>
+                <a:tc>
+                  <a:txBody>
+                    <a:bodyPr/>
+                    <a:lstStyle/>
+                    <a:p>
+                      <a:pPr algn="r" fontAlgn="b"/>
+                      <a:r>
+                        <a:rPr lang="en-US" sz="1400" b="0" i="0" u="none" strike="noStrike" dirty="0">
+                          <a:solidFill>
+                            <a:srgbClr val="000000"/>
+                          </a:solidFill>
+                          <a:effectLst/>
+                          <a:latin typeface="Calibri"/>
+                        </a:rPr>
+                        <a:t>1.5</a:t>
+                      </a:r>
+                    </a:p>
+                  </a:txBody>
+                  <a:tcPr marL="12700" marR="12700" marT="12700" marB="0" anchor="b"/>
+                </a:tc>
+                <a:tc>
+                  <a:txBody>
+                    <a:bodyPr/>
+                    <a:lstStyle/>
+                    <a:p>
+                      <a:pPr algn="l" fontAlgn="b"/>
+                      <a:r>
+                        <a:rPr lang="en-US" sz="1400" b="1" i="0" u="none" strike="noStrike" dirty="0">
+                          <a:solidFill>
+                            <a:srgbClr val="000000"/>
+                          </a:solidFill>
+                          <a:effectLst/>
+                          <a:latin typeface="Calibri"/>
+                        </a:rPr>
+                        <a:t>Iris-</a:t>
+                      </a:r>
+                      <a:r>
+                        <a:rPr lang="en-US" sz="1400" b="1" i="0" u="none" strike="noStrike" dirty="0" err="1">
+                          <a:solidFill>
+                            <a:srgbClr val="000000"/>
+                          </a:solidFill>
+                          <a:effectLst/>
+                          <a:latin typeface="Calibri"/>
+                        </a:rPr>
+                        <a:t>virginica</a:t>
+                      </a:r>
+                      <a:endParaRPr lang="en-US" sz="1400" b="1" i="0" u="none" strike="noStrike" dirty="0">
+                        <a:solidFill>
+                          <a:srgbClr val="000000"/>
+                        </a:solidFill>
+                        <a:effectLst/>
+                        <a:latin typeface="Calibri"/>
+                      </a:endParaRPr>
+                    </a:p>
+                  </a:txBody>
+                  <a:tcPr marL="12700" marR="12700" marT="12700" marB="0" anchor="b"/>
+                </a:tc>
+              </a:tr>
+            </a:tbl>
+          </a:graphicData>
+        </a:graphic>
+      </p:graphicFrame>
+      <p:sp>
+        <p:nvSpPr>
+          <p:cNvPr id="5" name="TextBox 4"/>
+          <p:cNvSpPr txBox="1"/>
+          <p:nvPr/>
+        </p:nvSpPr>
+        <p:spPr>
+          <a:xfrm>
+            <a:off x="457200" y="4483316"/>
+            <a:ext cx="7978274" cy="1754327"/>
+          </a:xfrm>
+          <a:prstGeom prst="rect">
+            <a:avLst/>
+          </a:prstGeom>
+          <a:noFill/>
+        </p:spPr>
+        <p:txBody>
+          <a:bodyPr wrap="square" rtlCol="0">
+            <a:spAutoFit/>
+          </a:bodyPr>
+          <a:lstStyle/>
+          <a:p>
+            <a:r>
+              <a:rPr lang="en-US" dirty="0" smtClean="0"/>
+              <a:t>Compute:</a:t>
+            </a:r>
+          </a:p>
+          <a:p>
+            <a:pPr marL="342900" indent="-342900">
+              <a:buFont typeface="+mj-lt"/>
+              <a:buAutoNum type="arabicPeriod"/>
+            </a:pPr>
+            <a:r>
+              <a:rPr lang="en-US" dirty="0" smtClean="0"/>
+              <a:t>Normalize Sepal Length and Width using feature scaling</a:t>
+            </a:r>
+          </a:p>
+          <a:p>
+            <a:pPr marL="800100" lvl="1" indent="-342900">
+              <a:buFont typeface="+mj-lt"/>
+              <a:buAutoNum type="arabicPeriod"/>
+            </a:pPr>
+            <a:r>
+              <a:rPr lang="en-US" dirty="0" smtClean="0"/>
+              <a:t>Compute min, max and max-min</a:t>
+            </a:r>
+          </a:p>
+          <a:p>
+            <a:pPr marL="800100" lvl="1" indent="-342900">
+              <a:buFont typeface="+mj-lt"/>
+              <a:buAutoNum type="arabicPeriod"/>
+            </a:pPr>
+            <a:r>
+              <a:rPr lang="en-US" dirty="0" smtClean="0"/>
+              <a:t>Plug into </a:t>
+            </a:r>
+          </a:p>
+          <a:p>
+            <a:pPr marL="342900" indent="-342900">
+              <a:buFont typeface="+mj-lt"/>
+              <a:buAutoNum type="arabicPeriod"/>
+            </a:pPr>
+            <a:endParaRPr lang="en-US" dirty="0" smtClean="0"/>
+          </a:p>
+          <a:p>
+            <a:endParaRPr lang="en-US" dirty="0"/>
+          </a:p>
+        </p:txBody>
+      </p:sp>
+      <p:pic>
+        <p:nvPicPr>
+          <p:cNvPr id="6" name="Picture 5"/>
+          <p:cNvPicPr>
+            <a:picLocks noChangeAspect="1"/>
+          </p:cNvPicPr>
+          <p:nvPr/>
+        </p:nvPicPr>
+        <p:blipFill>
+          <a:blip r:embed="rId3"/>
+          <a:stretch>
+            <a:fillRect/>
+          </a:stretch>
+        </p:blipFill>
+        <p:spPr>
+          <a:xfrm>
+            <a:off x="2448611" y="5433192"/>
+            <a:ext cx="1986171" cy="603925"/>
+          </a:xfrm>
+          <a:prstGeom prst="rect">
+            <a:avLst/>
+          </a:prstGeom>
+        </p:spPr>
+      </p:pic>
+    </p:spTree>
+    <p:extLst>
+      <p:ext uri="{BB962C8B-B14F-4D97-AF65-F5344CB8AC3E}">
+        <p14:creationId xmlns:p14="http://schemas.microsoft.com/office/powerpoint/2010/main" val="3165822880"/>
+      </p:ext>
+    </p:extLst>
+  </p:cSld>
+  <p:clrMapOvr>
+    <a:masterClrMapping/>
+  </p:clrMapOvr>
 </p:sld>
 </file>
 
